--- a/Study Material/[KOR] everything in C#.pptx
+++ b/Study Material/[KOR] everything in C#.pptx
@@ -199,7 +199,7 @@
           <a:p>
             <a:fld id="{EA86B7DF-A490-44C7-9A9E-98FC5D756A93}" type="datetimeFigureOut">
               <a:rPr lang="ko-KR" altLang="en-US" smtClean="0"/>
-              <a:t>2024-06-26</a:t>
+              <a:t>2024-06-27</a:t>
             </a:fld>
             <a:endParaRPr lang="ko-KR" altLang="en-US"/>
           </a:p>
@@ -627,6 +627,15 @@
             </a:r>
           </a:p>
           <a:p>
+            <a:r>
+              <a:rPr lang="en-US" altLang="ko-KR" dirty="0"/>
+              <a:t>https://www.geeksforgeeks.org/net-framework-class-library-fcl/</a:t>
+            </a:r>
+          </a:p>
+          <a:p>
+            <a:endParaRPr lang="en-US" altLang="ko-KR" dirty="0"/>
+          </a:p>
+          <a:p>
             <a:endParaRPr lang="ko-KR" altLang="en-US" dirty="0"/>
           </a:p>
         </p:txBody>
@@ -737,7 +746,7 @@
           <a:p>
             <a:fld id="{DF485348-FF0B-472B-B42C-CD62F26E0287}" type="datetimeFigureOut">
               <a:rPr lang="ko-KR" altLang="en-US" smtClean="0"/>
-              <a:t>2024-06-26</a:t>
+              <a:t>2024-06-27</a:t>
             </a:fld>
             <a:endParaRPr lang="ko-KR" altLang="en-US"/>
           </a:p>
@@ -978,7 +987,7 @@
           <a:p>
             <a:fld id="{DF485348-FF0B-472B-B42C-CD62F26E0287}" type="datetimeFigureOut">
               <a:rPr lang="ko-KR" altLang="en-US" smtClean="0"/>
-              <a:t>2024-06-26</a:t>
+              <a:t>2024-06-27</a:t>
             </a:fld>
             <a:endParaRPr lang="ko-KR" altLang="en-US"/>
           </a:p>
@@ -10484,14 +10493,14 @@
           <p:nvPr>
             <p:extLst>
               <p:ext uri="{D42A27DB-BD31-4B8C-83A1-F6EECF244321}">
-                <p14:modId xmlns:p14="http://schemas.microsoft.com/office/powerpoint/2010/main" val="3911864258"/>
+                <p14:modId xmlns:p14="http://schemas.microsoft.com/office/powerpoint/2010/main" val="3454295222"/>
               </p:ext>
             </p:extLst>
           </p:nvPr>
         </p:nvGraphicFramePr>
         <p:xfrm>
           <a:off x="75417" y="853757"/>
-          <a:ext cx="12048220" cy="3749040"/>
+          <a:ext cx="12048220" cy="5577840"/>
         </p:xfrm>
         <a:graphic>
           <a:graphicData uri="http://schemas.openxmlformats.org/drawingml/2006/table">
@@ -10630,73 +10639,19 @@
                           <a:cs typeface="+mn-cs"/>
                           <a:sym typeface="Wingdings" panose="05000000000000000000" pitchFamily="2" charset="2"/>
                         </a:rPr>
-                        <a:t>     Types of Application</a:t>
-                      </a:r>
-                    </a:p>
-                    <a:p>
-                      <a:pPr marL="0" marR="0" lvl="0" indent="0" algn="l" defTabSz="914400" rtl="0" eaLnBrk="1" fontAlgn="base" latinLnBrk="1" hangingPunct="1">
-                        <a:lnSpc>
-                          <a:spcPct val="100000"/>
-                        </a:lnSpc>
-                        <a:spcBef>
-                          <a:spcPct val="0"/>
-                        </a:spcBef>
-                        <a:spcAft>
-                          <a:spcPct val="0"/>
-                        </a:spcAft>
-                        <a:buClrTx/>
-                        <a:buSzTx/>
-                        <a:buFontTx/>
-                        <a:buNone/>
-                        <a:tabLst/>
-                      </a:pPr>
-                      <a:r>
-                        <a:rPr lang="en-US" altLang="ko-KR" sz="1200" b="1" kern="1200" dirty="0">
-                          <a:solidFill>
-                            <a:schemeClr val="tx1"/>
-                          </a:solidFill>
-                          <a:latin typeface="+mn-lt"/>
-                          <a:ea typeface="+mn-ea"/>
-                          <a:cs typeface="+mn-cs"/>
-                          <a:sym typeface="Wingdings" panose="05000000000000000000" pitchFamily="2" charset="2"/>
-                        </a:rPr>
-                        <a:t>        - WinForms: </a:t>
-                      </a:r>
-                      <a:r>
-                        <a:rPr lang="ko-KR" altLang="en-US" sz="1200" b="1" kern="1200" dirty="0">
-                          <a:solidFill>
-                            <a:schemeClr val="tx1"/>
-                          </a:solidFill>
-                          <a:latin typeface="+mn-lt"/>
-                          <a:ea typeface="+mn-ea"/>
-                          <a:cs typeface="+mn-cs"/>
-                          <a:sym typeface="Wingdings" panose="05000000000000000000" pitchFamily="2" charset="2"/>
-                        </a:rPr>
-                        <a:t>파일 시스템을 읽고 쓰는 </a:t>
-                      </a:r>
-                      <a:r>
-                        <a:rPr lang="en-US" altLang="ko-KR" sz="1200" b="1" kern="1200" dirty="0">
-                          <a:solidFill>
-                            <a:schemeClr val="tx1"/>
-                          </a:solidFill>
-                          <a:latin typeface="+mn-lt"/>
-                          <a:ea typeface="+mn-ea"/>
-                          <a:cs typeface="+mn-cs"/>
-                          <a:sym typeface="Wingdings" panose="05000000000000000000" pitchFamily="2" charset="2"/>
-                        </a:rPr>
-                        <a:t>client</a:t>
-                      </a:r>
-                      <a:r>
-                        <a:rPr lang="ko-KR" altLang="en-US" sz="1200" b="1" kern="1200" dirty="0">
-                          <a:solidFill>
-                            <a:schemeClr val="tx1"/>
-                          </a:solidFill>
-                          <a:latin typeface="+mn-lt"/>
-                          <a:ea typeface="+mn-ea"/>
-                          <a:cs typeface="+mn-cs"/>
-                          <a:sym typeface="Wingdings" panose="05000000000000000000" pitchFamily="2" charset="2"/>
-                        </a:rPr>
-                        <a:t>기반 애플리케이션이 여기에 속함</a:t>
+                        <a:t>        - Utility Features: list, stack </a:t>
+                      </a:r>
+                      <a:r>
+                        <a:rPr lang="ko-KR" altLang="en-US" sz="1200" b="1" kern="1200" dirty="0">
+                          <a:solidFill>
+                            <a:schemeClr val="tx1"/>
+                          </a:solidFill>
+                          <a:latin typeface="+mn-lt"/>
+                          <a:ea typeface="+mn-ea"/>
+                          <a:cs typeface="+mn-cs"/>
+                          <a:sym typeface="Wingdings" panose="05000000000000000000" pitchFamily="2" charset="2"/>
+                        </a:rPr>
+                        <a:t>등 다양한 클래스 모음을 포함</a:t>
                       </a:r>
                       <a:endParaRPr lang="en-US" altLang="ko-KR" sz="1200" b="1" kern="1200" dirty="0">
                         <a:solidFill>
@@ -10735,7 +10690,7 @@
                           <a:cs typeface="+mn-cs"/>
                           <a:sym typeface="Wingdings" panose="05000000000000000000" pitchFamily="2" charset="2"/>
                         </a:rPr>
-                        <a:t>        - ASP .NET:</a:t>
+                        <a:t>        - Wrappers Around OS Functionality: file</a:t>
                       </a:r>
                       <a:r>
                         <a:rPr lang="ko-KR" altLang="en-US" sz="1200" b="1" kern="1200" dirty="0">
@@ -10759,19 +10714,73 @@
                           <a:cs typeface="+mn-cs"/>
                           <a:sym typeface="Wingdings" panose="05000000000000000000" pitchFamily="2" charset="2"/>
                         </a:rPr>
-                        <a:t>Web</a:t>
-                      </a:r>
-                      <a:r>
-                        <a:rPr lang="ko-KR" altLang="en-US" sz="1200" b="1" kern="1200" dirty="0">
-                          <a:solidFill>
-                            <a:schemeClr val="tx1"/>
-                          </a:solidFill>
-                          <a:latin typeface="+mn-lt"/>
-                          <a:ea typeface="+mn-ea"/>
-                          <a:cs typeface="+mn-cs"/>
-                          <a:sym typeface="Wingdings" panose="05000000000000000000" pitchFamily="2" charset="2"/>
-                        </a:rPr>
-                        <a:t>기반 응용프로그램이 여기에 속함</a:t>
+                        <a:t>system, network, console I/O </a:t>
+                      </a:r>
+                      <a:r>
+                        <a:rPr lang="ko-KR" altLang="en-US" sz="1200" b="1" kern="1200" dirty="0">
+                          <a:solidFill>
+                            <a:schemeClr val="tx1"/>
+                          </a:solidFill>
+                          <a:latin typeface="+mn-lt"/>
+                          <a:ea typeface="+mn-ea"/>
+                          <a:cs typeface="+mn-cs"/>
+                          <a:sym typeface="Wingdings" panose="05000000000000000000" pitchFamily="2" charset="2"/>
+                        </a:rPr>
+                        <a:t>관련된 클래스를 포함</a:t>
+                      </a:r>
+                      <a:r>
+                        <a:rPr lang="en-US" altLang="ko-KR" sz="1200" b="1" kern="1200" dirty="0">
+                          <a:solidFill>
+                            <a:schemeClr val="tx1"/>
+                          </a:solidFill>
+                          <a:latin typeface="+mn-lt"/>
+                          <a:ea typeface="+mn-ea"/>
+                          <a:cs typeface="+mn-cs"/>
+                          <a:sym typeface="Wingdings" panose="05000000000000000000" pitchFamily="2" charset="2"/>
+                        </a:rPr>
+                        <a:t> </a:t>
+                      </a:r>
+                    </a:p>
+                    <a:p>
+                      <a:pPr marL="0" marR="0" lvl="0" indent="0" algn="l" defTabSz="914400" rtl="0" eaLnBrk="1" fontAlgn="base" latinLnBrk="1" hangingPunct="1">
+                        <a:lnSpc>
+                          <a:spcPct val="100000"/>
+                        </a:lnSpc>
+                        <a:spcBef>
+                          <a:spcPct val="0"/>
+                        </a:spcBef>
+                        <a:spcAft>
+                          <a:spcPct val="0"/>
+                        </a:spcAft>
+                        <a:buClrTx/>
+                        <a:buSzTx/>
+                        <a:buFontTx/>
+                        <a:buNone/>
+                        <a:tabLst/>
+                      </a:pPr>
+                      <a:r>
+                        <a:rPr lang="en-US" altLang="ko-KR" sz="1200" b="1" kern="1200" dirty="0">
+                          <a:solidFill>
+                            <a:schemeClr val="tx1"/>
+                          </a:solidFill>
+                          <a:latin typeface="+mn-lt"/>
+                          <a:ea typeface="+mn-ea"/>
+                          <a:cs typeface="+mn-cs"/>
+                          <a:sym typeface="Wingdings" panose="05000000000000000000" pitchFamily="2" charset="2"/>
+                        </a:rPr>
+                        <a:t>        - Frameworks: ASP .NET, WPF </a:t>
+                      </a:r>
+                      <a:r>
+                        <a:rPr lang="ko-KR" altLang="en-US" sz="1200" b="1" kern="1200" dirty="0">
+                          <a:solidFill>
+                            <a:schemeClr val="tx1"/>
+                          </a:solidFill>
+                          <a:latin typeface="+mn-lt"/>
+                          <a:ea typeface="+mn-ea"/>
+                          <a:cs typeface="+mn-cs"/>
+                          <a:sym typeface="Wingdings" panose="05000000000000000000" pitchFamily="2" charset="2"/>
+                        </a:rPr>
+                        <a:t>등 특정 애플리케이션 개발을 위한 다양한 프레임워크 있음</a:t>
                       </a:r>
                       <a:endParaRPr lang="en-US" altLang="ko-KR" sz="1200" b="1" kern="1200" dirty="0">
                         <a:solidFill>
@@ -10810,139 +10819,73 @@
                           <a:cs typeface="+mn-cs"/>
                           <a:sym typeface="Wingdings" panose="05000000000000000000" pitchFamily="2" charset="2"/>
                         </a:rPr>
-                        <a:t>        - ADO .NET: MS SQL Server, Oracle </a:t>
-                      </a:r>
-                      <a:r>
-                        <a:rPr lang="ko-KR" altLang="en-US" sz="1200" b="1" kern="1200" dirty="0">
-                          <a:solidFill>
-                            <a:schemeClr val="tx1"/>
-                          </a:solidFill>
-                          <a:latin typeface="+mn-lt"/>
-                          <a:ea typeface="+mn-ea"/>
-                          <a:cs typeface="+mn-cs"/>
-                          <a:sym typeface="Wingdings" panose="05000000000000000000" pitchFamily="2" charset="2"/>
-                        </a:rPr>
-                        <a:t>등 </a:t>
-                      </a:r>
-                      <a:r>
-                        <a:rPr lang="en-US" altLang="ko-KR" sz="1200" b="1" kern="1200" dirty="0">
-                          <a:solidFill>
-                            <a:schemeClr val="tx1"/>
-                          </a:solidFill>
-                          <a:latin typeface="+mn-lt"/>
-                          <a:ea typeface="+mn-ea"/>
-                          <a:cs typeface="+mn-cs"/>
-                          <a:sym typeface="Wingdings" panose="05000000000000000000" pitchFamily="2" charset="2"/>
-                        </a:rPr>
-                        <a:t>DB</a:t>
-                      </a:r>
-                      <a:r>
-                        <a:rPr lang="ko-KR" altLang="en-US" sz="1200" b="1" kern="1200" dirty="0">
-                          <a:solidFill>
-                            <a:schemeClr val="tx1"/>
-                          </a:solidFill>
-                          <a:latin typeface="+mn-lt"/>
-                          <a:ea typeface="+mn-ea"/>
-                          <a:cs typeface="+mn-cs"/>
-                          <a:sym typeface="Wingdings" panose="05000000000000000000" pitchFamily="2" charset="2"/>
-                        </a:rPr>
-                        <a:t>와 통신하기 위해 개발된 애플리케이션을 포함</a:t>
-                      </a:r>
-                      <a:r>
-                        <a:rPr lang="en-US" altLang="ko-KR" sz="1200" b="1" kern="1200" dirty="0">
-                          <a:solidFill>
-                            <a:schemeClr val="tx1"/>
-                          </a:solidFill>
-                          <a:latin typeface="+mn-lt"/>
-                          <a:ea typeface="+mn-ea"/>
-                          <a:cs typeface="+mn-cs"/>
-                          <a:sym typeface="Wingdings" panose="05000000000000000000" pitchFamily="2" charset="2"/>
-                        </a:rPr>
-                        <a:t>, </a:t>
-                      </a:r>
-                      <a:r>
-                        <a:rPr lang="ko-KR" altLang="en-US" sz="1200" b="1" kern="1200" dirty="0">
-                          <a:solidFill>
-                            <a:schemeClr val="tx1"/>
-                          </a:solidFill>
-                          <a:latin typeface="+mn-lt"/>
-                          <a:ea typeface="+mn-ea"/>
-                          <a:cs typeface="+mn-cs"/>
-                          <a:sym typeface="Wingdings" panose="05000000000000000000" pitchFamily="2" charset="2"/>
-                        </a:rPr>
-                        <a:t>주로 데이터 연결</a:t>
-                      </a:r>
-                      <a:r>
-                        <a:rPr lang="en-US" altLang="ko-KR" sz="1200" b="1" kern="1200" dirty="0">
-                          <a:solidFill>
-                            <a:schemeClr val="tx1"/>
-                          </a:solidFill>
-                          <a:latin typeface="+mn-lt"/>
-                          <a:ea typeface="+mn-ea"/>
-                          <a:cs typeface="+mn-cs"/>
-                          <a:sym typeface="Wingdings" panose="05000000000000000000" pitchFamily="2" charset="2"/>
-                        </a:rPr>
-                        <a:t>, </a:t>
-                      </a:r>
-                      <a:r>
-                        <a:rPr lang="ko-KR" altLang="en-US" sz="1200" b="1" kern="1200" dirty="0">
-                          <a:solidFill>
-                            <a:schemeClr val="tx1"/>
-                          </a:solidFill>
-                          <a:latin typeface="+mn-lt"/>
-                          <a:ea typeface="+mn-ea"/>
-                          <a:cs typeface="+mn-cs"/>
-                          <a:sym typeface="Wingdings" panose="05000000000000000000" pitchFamily="2" charset="2"/>
-                        </a:rPr>
-                        <a:t>검색</a:t>
-                      </a:r>
-                      <a:r>
-                        <a:rPr lang="en-US" altLang="ko-KR" sz="1200" b="1" kern="1200" dirty="0">
-                          <a:solidFill>
-                            <a:schemeClr val="tx1"/>
-                          </a:solidFill>
-                          <a:latin typeface="+mn-lt"/>
-                          <a:ea typeface="+mn-ea"/>
-                          <a:cs typeface="+mn-cs"/>
-                          <a:sym typeface="Wingdings" panose="05000000000000000000" pitchFamily="2" charset="2"/>
-                        </a:rPr>
-                        <a:t>, </a:t>
-                      </a:r>
-                      <a:r>
-                        <a:rPr lang="ko-KR" altLang="en-US" sz="1200" b="1" kern="1200" dirty="0">
-                          <a:solidFill>
-                            <a:schemeClr val="tx1"/>
-                          </a:solidFill>
-                          <a:latin typeface="+mn-lt"/>
-                          <a:ea typeface="+mn-ea"/>
-                          <a:cs typeface="+mn-cs"/>
-                          <a:sym typeface="Wingdings" panose="05000000000000000000" pitchFamily="2" charset="2"/>
-                        </a:rPr>
-                        <a:t>삽입</a:t>
-                      </a:r>
-                      <a:r>
-                        <a:rPr lang="en-US" altLang="ko-KR" sz="1200" b="1" kern="1200" dirty="0">
-                          <a:solidFill>
-                            <a:schemeClr val="tx1"/>
-                          </a:solidFill>
-                          <a:latin typeface="+mn-lt"/>
-                          <a:ea typeface="+mn-ea"/>
-                          <a:cs typeface="+mn-cs"/>
-                          <a:sym typeface="Wingdings" panose="05000000000000000000" pitchFamily="2" charset="2"/>
-                        </a:rPr>
-                        <a:t>, </a:t>
-                      </a:r>
-                      <a:r>
-                        <a:rPr lang="ko-KR" altLang="en-US" sz="1200" b="1" kern="1200" dirty="0">
-                          <a:solidFill>
-                            <a:schemeClr val="tx1"/>
-                          </a:solidFill>
-                          <a:latin typeface="+mn-lt"/>
-                          <a:ea typeface="+mn-ea"/>
-                          <a:cs typeface="+mn-cs"/>
-                          <a:sym typeface="Wingdings" panose="05000000000000000000" pitchFamily="2" charset="2"/>
-                        </a:rPr>
-                        <a:t>삭제할 수 있는 클래스로 구성</a:t>
+                        <a:t>     Types of Application</a:t>
+                      </a:r>
+                    </a:p>
+                    <a:p>
+                      <a:pPr marL="0" marR="0" lvl="0" indent="0" algn="l" defTabSz="914400" rtl="0" eaLnBrk="1" fontAlgn="base" latinLnBrk="1" hangingPunct="1">
+                        <a:lnSpc>
+                          <a:spcPct val="100000"/>
+                        </a:lnSpc>
+                        <a:spcBef>
+                          <a:spcPct val="0"/>
+                        </a:spcBef>
+                        <a:spcAft>
+                          <a:spcPct val="0"/>
+                        </a:spcAft>
+                        <a:buClrTx/>
+                        <a:buSzTx/>
+                        <a:buFontTx/>
+                        <a:buNone/>
+                        <a:tabLst/>
+                      </a:pPr>
+                      <a:r>
+                        <a:rPr lang="en-US" altLang="ko-KR" sz="1200" b="1" kern="1200" dirty="0">
+                          <a:solidFill>
+                            <a:schemeClr val="tx1"/>
+                          </a:solidFill>
+                          <a:latin typeface="+mn-lt"/>
+                          <a:ea typeface="+mn-ea"/>
+                          <a:cs typeface="+mn-cs"/>
+                          <a:sym typeface="Wingdings" panose="05000000000000000000" pitchFamily="2" charset="2"/>
+                        </a:rPr>
+                        <a:t>        - WinForms: </a:t>
+                      </a:r>
+                      <a:r>
+                        <a:rPr lang="ko-KR" altLang="en-US" sz="1200" b="1" kern="1200" dirty="0">
+                          <a:solidFill>
+                            <a:schemeClr val="tx1"/>
+                          </a:solidFill>
+                          <a:latin typeface="+mn-lt"/>
+                          <a:ea typeface="+mn-ea"/>
+                          <a:cs typeface="+mn-cs"/>
+                          <a:sym typeface="Wingdings" panose="05000000000000000000" pitchFamily="2" charset="2"/>
+                        </a:rPr>
+                        <a:t>파일 시스템을 읽고 쓰는 </a:t>
+                      </a:r>
+                      <a:r>
+                        <a:rPr lang="en-US" altLang="ko-KR" sz="1200" b="1" kern="1200" dirty="0">
+                          <a:solidFill>
+                            <a:schemeClr val="tx1"/>
+                          </a:solidFill>
+                          <a:latin typeface="+mn-lt"/>
+                          <a:ea typeface="+mn-ea"/>
+                          <a:cs typeface="+mn-cs"/>
+                          <a:sym typeface="Wingdings" panose="05000000000000000000" pitchFamily="2" charset="2"/>
+                        </a:rPr>
+                        <a:t>client</a:t>
+                      </a:r>
+                      <a:r>
+                        <a:rPr lang="ko-KR" altLang="en-US" sz="1200" b="1" kern="1200" dirty="0">
+                          <a:solidFill>
+                            <a:schemeClr val="tx1"/>
+                          </a:solidFill>
+                          <a:latin typeface="+mn-lt"/>
+                          <a:ea typeface="+mn-ea"/>
+                          <a:cs typeface="+mn-cs"/>
+                          <a:sym typeface="Wingdings" panose="05000000000000000000" pitchFamily="2" charset="2"/>
+                        </a:rPr>
+                        <a:t>기반 애플리케이션이 여기에 속함</a:t>
                       </a:r>
                       <a:endParaRPr lang="en-US" altLang="ko-KR" sz="1200" b="1" kern="1200" dirty="0">
                         <a:solidFill>
@@ -10981,67 +10924,43 @@
                           <a:cs typeface="+mn-cs"/>
                           <a:sym typeface="Wingdings" panose="05000000000000000000" pitchFamily="2" charset="2"/>
                         </a:rPr>
-                        <a:t>     WPF(Windows Presentation Foundation): DirectX</a:t>
-                      </a:r>
-                      <a:r>
-                        <a:rPr lang="ko-KR" altLang="en-US" sz="1200" b="1" kern="1200" dirty="0">
-                          <a:solidFill>
-                            <a:schemeClr val="tx1"/>
-                          </a:solidFill>
-                          <a:latin typeface="+mn-lt"/>
-                          <a:ea typeface="+mn-ea"/>
-                          <a:cs typeface="+mn-cs"/>
-                          <a:sym typeface="Wingdings" panose="05000000000000000000" pitchFamily="2" charset="2"/>
-                        </a:rPr>
-                        <a:t>를 사용하는 그래픽 하위 시스템이고</a:t>
-                      </a:r>
-                      <a:r>
-                        <a:rPr lang="en-US" altLang="ko-KR" sz="1200" b="1" kern="1200" dirty="0">
-                          <a:solidFill>
-                            <a:schemeClr val="tx1"/>
-                          </a:solidFill>
-                          <a:latin typeface="+mn-lt"/>
-                          <a:ea typeface="+mn-ea"/>
-                          <a:cs typeface="+mn-cs"/>
-                          <a:sym typeface="Wingdings" panose="05000000000000000000" pitchFamily="2" charset="2"/>
-                        </a:rPr>
-                        <a:t>, </a:t>
-                      </a:r>
-                      <a:r>
-                        <a:rPr lang="ko-KR" altLang="en-US" sz="1200" b="1" kern="1200" dirty="0">
-                          <a:solidFill>
-                            <a:schemeClr val="tx1"/>
-                          </a:solidFill>
-                          <a:latin typeface="+mn-lt"/>
-                          <a:ea typeface="+mn-ea"/>
-                          <a:cs typeface="+mn-cs"/>
-                          <a:sym typeface="Wingdings" panose="05000000000000000000" pitchFamily="2" charset="2"/>
-                        </a:rPr>
-                        <a:t>윈도우 기반 애플리케이션에서 </a:t>
-                      </a:r>
-                      <a:r>
-                        <a:rPr lang="en-US" altLang="ko-KR" sz="1200" b="1" kern="1200" dirty="0">
-                          <a:solidFill>
-                            <a:schemeClr val="tx1"/>
-                          </a:solidFill>
-                          <a:latin typeface="+mn-lt"/>
-                          <a:ea typeface="+mn-ea"/>
-                          <a:cs typeface="+mn-cs"/>
-                          <a:sym typeface="Wingdings" panose="05000000000000000000" pitchFamily="2" charset="2"/>
-                        </a:rPr>
-                        <a:t>UI </a:t>
-                      </a:r>
-                      <a:r>
-                        <a:rPr lang="ko-KR" altLang="en-US" sz="1200" b="1" kern="1200" dirty="0">
-                          <a:solidFill>
-                            <a:schemeClr val="tx1"/>
-                          </a:solidFill>
-                          <a:latin typeface="+mn-lt"/>
-                          <a:ea typeface="+mn-ea"/>
-                          <a:cs typeface="+mn-cs"/>
-                          <a:sym typeface="Wingdings" panose="05000000000000000000" pitchFamily="2" charset="2"/>
-                        </a:rPr>
-                        <a:t>렌더링을 위해 사용됨</a:t>
+                        <a:t>        - ASP .NET:</a:t>
+                      </a:r>
+                      <a:r>
+                        <a:rPr lang="ko-KR" altLang="en-US" sz="1200" b="1" kern="1200" dirty="0">
+                          <a:solidFill>
+                            <a:schemeClr val="tx1"/>
+                          </a:solidFill>
+                          <a:latin typeface="+mn-lt"/>
+                          <a:ea typeface="+mn-ea"/>
+                          <a:cs typeface="+mn-cs"/>
+                          <a:sym typeface="Wingdings" panose="05000000000000000000" pitchFamily="2" charset="2"/>
+                        </a:rPr>
+                        <a:t> </a:t>
+                      </a:r>
+                      <a:r>
+                        <a:rPr lang="en-US" altLang="ko-KR" sz="1200" b="1" kern="1200" dirty="0">
+                          <a:solidFill>
+                            <a:schemeClr val="tx1"/>
+                          </a:solidFill>
+                          <a:latin typeface="+mn-lt"/>
+                          <a:ea typeface="+mn-ea"/>
+                          <a:cs typeface="+mn-cs"/>
+                          <a:sym typeface="Wingdings" panose="05000000000000000000" pitchFamily="2" charset="2"/>
+                        </a:rPr>
+                        <a:t>Web</a:t>
+                      </a:r>
+                      <a:r>
+                        <a:rPr lang="ko-KR" altLang="en-US" sz="1200" b="1" kern="1200" dirty="0">
+                          <a:solidFill>
+                            <a:schemeClr val="tx1"/>
+                          </a:solidFill>
+                          <a:latin typeface="+mn-lt"/>
+                          <a:ea typeface="+mn-ea"/>
+                          <a:cs typeface="+mn-cs"/>
+                          <a:sym typeface="Wingdings" panose="05000000000000000000" pitchFamily="2" charset="2"/>
+                        </a:rPr>
+                        <a:t>기반 응용프로그램이 여기에 속함</a:t>
                       </a:r>
                       <a:endParaRPr lang="en-US" altLang="ko-KR" sz="1200" b="1" kern="1200" dirty="0">
                         <a:solidFill>
@@ -11080,19 +10999,139 @@
                           <a:cs typeface="+mn-cs"/>
                           <a:sym typeface="Wingdings" panose="05000000000000000000" pitchFamily="2" charset="2"/>
                         </a:rPr>
-                        <a:t>     WCF(Windows Communication Foundation): </a:t>
-                      </a:r>
-                      <a:r>
-                        <a:rPr lang="ko-KR" altLang="en-US" sz="1200" b="1" kern="1200" dirty="0">
-                          <a:solidFill>
-                            <a:schemeClr val="tx1"/>
-                          </a:solidFill>
-                          <a:latin typeface="+mn-lt"/>
-                          <a:ea typeface="+mn-ea"/>
-                          <a:cs typeface="+mn-cs"/>
-                          <a:sym typeface="Wingdings" panose="05000000000000000000" pitchFamily="2" charset="2"/>
-                        </a:rPr>
-                        <a:t>데이터를 비동기적 전송하는데 사용되는 연결된 서비스 지향 애플리케이션 구축을 위한 프레임워크</a:t>
+                        <a:t>        - ADO .NET: MS SQL Server, Oracle </a:t>
+                      </a:r>
+                      <a:r>
+                        <a:rPr lang="ko-KR" altLang="en-US" sz="1200" b="1" kern="1200" dirty="0">
+                          <a:solidFill>
+                            <a:schemeClr val="tx1"/>
+                          </a:solidFill>
+                          <a:latin typeface="+mn-lt"/>
+                          <a:ea typeface="+mn-ea"/>
+                          <a:cs typeface="+mn-cs"/>
+                          <a:sym typeface="Wingdings" panose="05000000000000000000" pitchFamily="2" charset="2"/>
+                        </a:rPr>
+                        <a:t>등 </a:t>
+                      </a:r>
+                      <a:r>
+                        <a:rPr lang="en-US" altLang="ko-KR" sz="1200" b="1" kern="1200" dirty="0">
+                          <a:solidFill>
+                            <a:schemeClr val="tx1"/>
+                          </a:solidFill>
+                          <a:latin typeface="+mn-lt"/>
+                          <a:ea typeface="+mn-ea"/>
+                          <a:cs typeface="+mn-cs"/>
+                          <a:sym typeface="Wingdings" panose="05000000000000000000" pitchFamily="2" charset="2"/>
+                        </a:rPr>
+                        <a:t>DB</a:t>
+                      </a:r>
+                      <a:r>
+                        <a:rPr lang="ko-KR" altLang="en-US" sz="1200" b="1" kern="1200" dirty="0">
+                          <a:solidFill>
+                            <a:schemeClr val="tx1"/>
+                          </a:solidFill>
+                          <a:latin typeface="+mn-lt"/>
+                          <a:ea typeface="+mn-ea"/>
+                          <a:cs typeface="+mn-cs"/>
+                          <a:sym typeface="Wingdings" panose="05000000000000000000" pitchFamily="2" charset="2"/>
+                        </a:rPr>
+                        <a:t>와 통신하기 위해 개발된 애플리케이션을 포함</a:t>
+                      </a:r>
+                      <a:r>
+                        <a:rPr lang="en-US" altLang="ko-KR" sz="1200" b="1" kern="1200" dirty="0">
+                          <a:solidFill>
+                            <a:schemeClr val="tx1"/>
+                          </a:solidFill>
+                          <a:latin typeface="+mn-lt"/>
+                          <a:ea typeface="+mn-ea"/>
+                          <a:cs typeface="+mn-cs"/>
+                          <a:sym typeface="Wingdings" panose="05000000000000000000" pitchFamily="2" charset="2"/>
+                        </a:rPr>
+                        <a:t>, </a:t>
+                      </a:r>
+                      <a:r>
+                        <a:rPr lang="ko-KR" altLang="en-US" sz="1200" b="1" kern="1200" dirty="0">
+                          <a:solidFill>
+                            <a:schemeClr val="tx1"/>
+                          </a:solidFill>
+                          <a:latin typeface="+mn-lt"/>
+                          <a:ea typeface="+mn-ea"/>
+                          <a:cs typeface="+mn-cs"/>
+                          <a:sym typeface="Wingdings" panose="05000000000000000000" pitchFamily="2" charset="2"/>
+                        </a:rPr>
+                        <a:t>주로 데이터 연결</a:t>
+                      </a:r>
+                      <a:r>
+                        <a:rPr lang="en-US" altLang="ko-KR" sz="1200" b="1" kern="1200" dirty="0">
+                          <a:solidFill>
+                            <a:schemeClr val="tx1"/>
+                          </a:solidFill>
+                          <a:latin typeface="+mn-lt"/>
+                          <a:ea typeface="+mn-ea"/>
+                          <a:cs typeface="+mn-cs"/>
+                          <a:sym typeface="Wingdings" panose="05000000000000000000" pitchFamily="2" charset="2"/>
+                        </a:rPr>
+                        <a:t>, </a:t>
+                      </a:r>
+                      <a:r>
+                        <a:rPr lang="ko-KR" altLang="en-US" sz="1200" b="1" kern="1200" dirty="0">
+                          <a:solidFill>
+                            <a:schemeClr val="tx1"/>
+                          </a:solidFill>
+                          <a:latin typeface="+mn-lt"/>
+                          <a:ea typeface="+mn-ea"/>
+                          <a:cs typeface="+mn-cs"/>
+                          <a:sym typeface="Wingdings" panose="05000000000000000000" pitchFamily="2" charset="2"/>
+                        </a:rPr>
+                        <a:t>검색</a:t>
+                      </a:r>
+                      <a:r>
+                        <a:rPr lang="en-US" altLang="ko-KR" sz="1200" b="1" kern="1200" dirty="0">
+                          <a:solidFill>
+                            <a:schemeClr val="tx1"/>
+                          </a:solidFill>
+                          <a:latin typeface="+mn-lt"/>
+                          <a:ea typeface="+mn-ea"/>
+                          <a:cs typeface="+mn-cs"/>
+                          <a:sym typeface="Wingdings" panose="05000000000000000000" pitchFamily="2" charset="2"/>
+                        </a:rPr>
+                        <a:t>, </a:t>
+                      </a:r>
+                      <a:r>
+                        <a:rPr lang="ko-KR" altLang="en-US" sz="1200" b="1" kern="1200" dirty="0">
+                          <a:solidFill>
+                            <a:schemeClr val="tx1"/>
+                          </a:solidFill>
+                          <a:latin typeface="+mn-lt"/>
+                          <a:ea typeface="+mn-ea"/>
+                          <a:cs typeface="+mn-cs"/>
+                          <a:sym typeface="Wingdings" panose="05000000000000000000" pitchFamily="2" charset="2"/>
+                        </a:rPr>
+                        <a:t>삽입</a:t>
+                      </a:r>
+                      <a:r>
+                        <a:rPr lang="en-US" altLang="ko-KR" sz="1200" b="1" kern="1200" dirty="0">
+                          <a:solidFill>
+                            <a:schemeClr val="tx1"/>
+                          </a:solidFill>
+                          <a:latin typeface="+mn-lt"/>
+                          <a:ea typeface="+mn-ea"/>
+                          <a:cs typeface="+mn-cs"/>
+                          <a:sym typeface="Wingdings" panose="05000000000000000000" pitchFamily="2" charset="2"/>
+                        </a:rPr>
+                        <a:t>, </a:t>
+                      </a:r>
+                      <a:r>
+                        <a:rPr lang="ko-KR" altLang="en-US" sz="1200" b="1" kern="1200" dirty="0">
+                          <a:solidFill>
+                            <a:schemeClr val="tx1"/>
+                          </a:solidFill>
+                          <a:latin typeface="+mn-lt"/>
+                          <a:ea typeface="+mn-ea"/>
+                          <a:cs typeface="+mn-cs"/>
+                          <a:sym typeface="Wingdings" panose="05000000000000000000" pitchFamily="2" charset="2"/>
+                        </a:rPr>
+                        <a:t>삭제할 수 있는 클래스로 구성</a:t>
                       </a:r>
                       <a:endParaRPr lang="en-US" altLang="ko-KR" sz="1200" b="1" kern="1200" dirty="0">
                         <a:solidFill>
@@ -11131,43 +11170,67 @@
                           <a:cs typeface="+mn-cs"/>
                           <a:sym typeface="Wingdings" panose="05000000000000000000" pitchFamily="2" charset="2"/>
                         </a:rPr>
-                        <a:t>     WF(Windows Workflow Foundation): workflow</a:t>
-                      </a:r>
-                      <a:r>
-                        <a:rPr lang="ko-KR" altLang="en-US" sz="1200" b="1" kern="1200" dirty="0">
-                          <a:solidFill>
-                            <a:schemeClr val="tx1"/>
-                          </a:solidFill>
-                          <a:latin typeface="+mn-lt"/>
-                          <a:ea typeface="+mn-ea"/>
-                          <a:cs typeface="+mn-cs"/>
-                          <a:sym typeface="Wingdings" panose="05000000000000000000" pitchFamily="2" charset="2"/>
-                        </a:rPr>
-                        <a:t>를 구축하기 위한 </a:t>
-                      </a:r>
-                      <a:r>
-                        <a:rPr lang="en-US" altLang="ko-KR" sz="1200" b="1" kern="1200" dirty="0">
-                          <a:solidFill>
-                            <a:schemeClr val="tx1"/>
-                          </a:solidFill>
-                          <a:latin typeface="+mn-lt"/>
-                          <a:ea typeface="+mn-ea"/>
-                          <a:cs typeface="+mn-cs"/>
-                          <a:sym typeface="Wingdings" panose="05000000000000000000" pitchFamily="2" charset="2"/>
-                        </a:rPr>
-                        <a:t>platform</a:t>
-                      </a:r>
-                      <a:r>
-                        <a:rPr lang="ko-KR" altLang="en-US" sz="1200" b="1" kern="1200" dirty="0">
-                          <a:solidFill>
-                            <a:schemeClr val="tx1"/>
-                          </a:solidFill>
-                          <a:latin typeface="+mn-lt"/>
-                          <a:ea typeface="+mn-ea"/>
-                          <a:cs typeface="+mn-cs"/>
-                          <a:sym typeface="Wingdings" panose="05000000000000000000" pitchFamily="2" charset="2"/>
-                        </a:rPr>
-                        <a:t>을 제공</a:t>
+                        <a:t>     WPF(Windows Presentation Foundation): DirectX</a:t>
+                      </a:r>
+                      <a:r>
+                        <a:rPr lang="ko-KR" altLang="en-US" sz="1200" b="1" kern="1200" dirty="0">
+                          <a:solidFill>
+                            <a:schemeClr val="tx1"/>
+                          </a:solidFill>
+                          <a:latin typeface="+mn-lt"/>
+                          <a:ea typeface="+mn-ea"/>
+                          <a:cs typeface="+mn-cs"/>
+                          <a:sym typeface="Wingdings" panose="05000000000000000000" pitchFamily="2" charset="2"/>
+                        </a:rPr>
+                        <a:t>를 사용하는 그래픽 하위 시스템이고</a:t>
+                      </a:r>
+                      <a:r>
+                        <a:rPr lang="en-US" altLang="ko-KR" sz="1200" b="1" kern="1200" dirty="0">
+                          <a:solidFill>
+                            <a:schemeClr val="tx1"/>
+                          </a:solidFill>
+                          <a:latin typeface="+mn-lt"/>
+                          <a:ea typeface="+mn-ea"/>
+                          <a:cs typeface="+mn-cs"/>
+                          <a:sym typeface="Wingdings" panose="05000000000000000000" pitchFamily="2" charset="2"/>
+                        </a:rPr>
+                        <a:t>, </a:t>
+                      </a:r>
+                      <a:r>
+                        <a:rPr lang="ko-KR" altLang="en-US" sz="1200" b="1" kern="1200" dirty="0">
+                          <a:solidFill>
+                            <a:schemeClr val="tx1"/>
+                          </a:solidFill>
+                          <a:latin typeface="+mn-lt"/>
+                          <a:ea typeface="+mn-ea"/>
+                          <a:cs typeface="+mn-cs"/>
+                          <a:sym typeface="Wingdings" panose="05000000000000000000" pitchFamily="2" charset="2"/>
+                        </a:rPr>
+                        <a:t>윈도우 기반 애플리케이션에서 </a:t>
+                      </a:r>
+                      <a:r>
+                        <a:rPr lang="en-US" altLang="ko-KR" sz="1200" b="1" kern="1200" dirty="0">
+                          <a:solidFill>
+                            <a:schemeClr val="tx1"/>
+                          </a:solidFill>
+                          <a:latin typeface="+mn-lt"/>
+                          <a:ea typeface="+mn-ea"/>
+                          <a:cs typeface="+mn-cs"/>
+                          <a:sym typeface="Wingdings" panose="05000000000000000000" pitchFamily="2" charset="2"/>
+                        </a:rPr>
+                        <a:t>UI </a:t>
+                      </a:r>
+                      <a:r>
+                        <a:rPr lang="ko-KR" altLang="en-US" sz="1200" b="1" kern="1200" dirty="0">
+                          <a:solidFill>
+                            <a:schemeClr val="tx1"/>
+                          </a:solidFill>
+                          <a:latin typeface="+mn-lt"/>
+                          <a:ea typeface="+mn-ea"/>
+                          <a:cs typeface="+mn-cs"/>
+                          <a:sym typeface="Wingdings" panose="05000000000000000000" pitchFamily="2" charset="2"/>
+                        </a:rPr>
+                        <a:t>렌더링을 위해 사용됨</a:t>
                       </a:r>
                       <a:endParaRPr lang="en-US" altLang="ko-KR" sz="1200" b="1" kern="1200" dirty="0">
                         <a:solidFill>
@@ -11206,67 +11269,19 @@
                           <a:cs typeface="+mn-cs"/>
                           <a:sym typeface="Wingdings" panose="05000000000000000000" pitchFamily="2" charset="2"/>
                         </a:rPr>
-                        <a:t>     Card Space: Digital ID</a:t>
-                      </a:r>
-                      <a:r>
-                        <a:rPr lang="ko-KR" altLang="en-US" sz="1200" b="1" kern="1200" dirty="0">
-                          <a:solidFill>
-                            <a:schemeClr val="tx1"/>
-                          </a:solidFill>
-                          <a:latin typeface="+mn-lt"/>
-                          <a:ea typeface="+mn-ea"/>
-                          <a:cs typeface="+mn-cs"/>
-                          <a:sym typeface="Wingdings" panose="05000000000000000000" pitchFamily="2" charset="2"/>
-                        </a:rPr>
-                        <a:t>를 제공해 안전하고</a:t>
-                      </a:r>
-                      <a:r>
-                        <a:rPr lang="en-US" altLang="ko-KR" sz="1200" b="1" kern="1200" dirty="0">
-                          <a:solidFill>
-                            <a:schemeClr val="tx1"/>
-                          </a:solidFill>
-                          <a:latin typeface="+mn-lt"/>
-                          <a:ea typeface="+mn-ea"/>
-                          <a:cs typeface="+mn-cs"/>
-                          <a:sym typeface="Wingdings" panose="05000000000000000000" pitchFamily="2" charset="2"/>
-                        </a:rPr>
-                        <a:t>, </a:t>
-                      </a:r>
-                      <a:r>
-                        <a:rPr lang="ko-KR" altLang="en-US" sz="1200" b="1" kern="1200" dirty="0">
-                          <a:solidFill>
-                            <a:schemeClr val="tx1"/>
-                          </a:solidFill>
-                          <a:latin typeface="+mn-lt"/>
-                          <a:ea typeface="+mn-ea"/>
-                          <a:cs typeface="+mn-cs"/>
-                          <a:sym typeface="Wingdings" panose="05000000000000000000" pitchFamily="2" charset="2"/>
-                        </a:rPr>
-                        <a:t>간단하고</a:t>
-                      </a:r>
-                      <a:r>
-                        <a:rPr lang="en-US" altLang="ko-KR" sz="1200" b="1" kern="1200" dirty="0">
-                          <a:solidFill>
-                            <a:schemeClr val="tx1"/>
-                          </a:solidFill>
-                          <a:latin typeface="+mn-lt"/>
-                          <a:ea typeface="+mn-ea"/>
-                          <a:cs typeface="+mn-cs"/>
-                          <a:sym typeface="Wingdings" panose="05000000000000000000" pitchFamily="2" charset="2"/>
-                        </a:rPr>
-                        <a:t>, </a:t>
-                      </a:r>
-                      <a:r>
-                        <a:rPr lang="ko-KR" altLang="en-US" sz="1200" b="1" kern="1200" dirty="0">
-                          <a:solidFill>
-                            <a:schemeClr val="tx1"/>
-                          </a:solidFill>
-                          <a:latin typeface="+mn-lt"/>
-                          <a:ea typeface="+mn-ea"/>
-                          <a:cs typeface="+mn-cs"/>
-                          <a:sym typeface="Wingdings" panose="05000000000000000000" pitchFamily="2" charset="2"/>
-                        </a:rPr>
-                        <a:t>신뢰성 있는 방법으로 온라인 서비스를 제공</a:t>
+                        <a:t>     WCF(Windows Communication Foundation): </a:t>
+                      </a:r>
+                      <a:r>
+                        <a:rPr lang="ko-KR" altLang="en-US" sz="1200" b="1" kern="1200" dirty="0">
+                          <a:solidFill>
+                            <a:schemeClr val="tx1"/>
+                          </a:solidFill>
+                          <a:latin typeface="+mn-lt"/>
+                          <a:ea typeface="+mn-ea"/>
+                          <a:cs typeface="+mn-cs"/>
+                          <a:sym typeface="Wingdings" panose="05000000000000000000" pitchFamily="2" charset="2"/>
+                        </a:rPr>
+                        <a:t>데이터를 비동기적 전송하는데 사용되는 연결된 서비스 지향 애플리케이션 구축을 위한 프레임워크</a:t>
                       </a:r>
                       <a:endParaRPr lang="en-US" altLang="ko-KR" sz="1200" b="1" kern="1200" dirty="0">
                         <a:solidFill>
@@ -11305,43 +11320,43 @@
                           <a:cs typeface="+mn-cs"/>
                           <a:sym typeface="Wingdings" panose="05000000000000000000" pitchFamily="2" charset="2"/>
                         </a:rPr>
-                        <a:t>     LINQ(Language Integrated Query): C#/VB</a:t>
-                      </a:r>
-                      <a:r>
-                        <a:rPr lang="ko-KR" altLang="en-US" sz="1200" b="1" kern="1200" dirty="0">
-                          <a:solidFill>
-                            <a:schemeClr val="tx1"/>
-                          </a:solidFill>
-                          <a:latin typeface="+mn-lt"/>
-                          <a:ea typeface="+mn-ea"/>
-                          <a:cs typeface="+mn-cs"/>
-                          <a:sym typeface="Wingdings" panose="05000000000000000000" pitchFamily="2" charset="2"/>
-                        </a:rPr>
-                        <a:t>로 </a:t>
-                      </a:r>
-                      <a:r>
-                        <a:rPr lang="en-US" altLang="ko-KR" sz="1200" b="1" kern="1200" dirty="0">
-                          <a:solidFill>
-                            <a:schemeClr val="tx1"/>
-                          </a:solidFill>
-                          <a:latin typeface="+mn-lt"/>
-                          <a:ea typeface="+mn-ea"/>
-                          <a:cs typeface="+mn-cs"/>
-                          <a:sym typeface="Wingdings" panose="05000000000000000000" pitchFamily="2" charset="2"/>
-                        </a:rPr>
-                        <a:t>data source</a:t>
-                      </a:r>
-                      <a:r>
-                        <a:rPr lang="ko-KR" altLang="en-US" sz="1200" b="1" kern="1200" dirty="0">
-                          <a:solidFill>
-                            <a:schemeClr val="tx1"/>
-                          </a:solidFill>
-                          <a:latin typeface="+mn-lt"/>
-                          <a:ea typeface="+mn-ea"/>
-                          <a:cs typeface="+mn-cs"/>
-                          <a:sym typeface="Wingdings" panose="05000000000000000000" pitchFamily="2" charset="2"/>
-                        </a:rPr>
-                        <a:t>에 대한 쿼리를 만드는 쿼리 언어 </a:t>
+                        <a:t>     WF(Windows Workflow Foundation): workflow</a:t>
+                      </a:r>
+                      <a:r>
+                        <a:rPr lang="ko-KR" altLang="en-US" sz="1200" b="1" kern="1200" dirty="0">
+                          <a:solidFill>
+                            <a:schemeClr val="tx1"/>
+                          </a:solidFill>
+                          <a:latin typeface="+mn-lt"/>
+                          <a:ea typeface="+mn-ea"/>
+                          <a:cs typeface="+mn-cs"/>
+                          <a:sym typeface="Wingdings" panose="05000000000000000000" pitchFamily="2" charset="2"/>
+                        </a:rPr>
+                        <a:t>를 구축하기 위한 </a:t>
+                      </a:r>
+                      <a:r>
+                        <a:rPr lang="en-US" altLang="ko-KR" sz="1200" b="1" kern="1200" dirty="0">
+                          <a:solidFill>
+                            <a:schemeClr val="tx1"/>
+                          </a:solidFill>
+                          <a:latin typeface="+mn-lt"/>
+                          <a:ea typeface="+mn-ea"/>
+                          <a:cs typeface="+mn-cs"/>
+                          <a:sym typeface="Wingdings" panose="05000000000000000000" pitchFamily="2" charset="2"/>
+                        </a:rPr>
+                        <a:t>platform</a:t>
+                      </a:r>
+                      <a:r>
+                        <a:rPr lang="ko-KR" altLang="en-US" sz="1200" b="1" kern="1200" dirty="0">
+                          <a:solidFill>
+                            <a:schemeClr val="tx1"/>
+                          </a:solidFill>
+                          <a:latin typeface="+mn-lt"/>
+                          <a:ea typeface="+mn-ea"/>
+                          <a:cs typeface="+mn-cs"/>
+                          <a:sym typeface="Wingdings" panose="05000000000000000000" pitchFamily="2" charset="2"/>
+                        </a:rPr>
+                        <a:t>을 제공</a:t>
                       </a:r>
                       <a:endParaRPr lang="en-US" altLang="ko-KR" sz="1200" b="1" kern="1200" dirty="0">
                         <a:solidFill>
@@ -11380,67 +11395,67 @@
                           <a:cs typeface="+mn-cs"/>
                           <a:sym typeface="Wingdings" panose="05000000000000000000" pitchFamily="2" charset="2"/>
                         </a:rPr>
-                        <a:t>     Entity Framework: ORM(Object Relational Mapping)</a:t>
-                      </a:r>
-                      <a:r>
-                        <a:rPr lang="ko-KR" altLang="en-US" sz="1200" b="1" kern="1200" dirty="0">
-                          <a:solidFill>
-                            <a:schemeClr val="tx1"/>
-                          </a:solidFill>
-                          <a:latin typeface="+mn-lt"/>
-                          <a:ea typeface="+mn-ea"/>
-                          <a:cs typeface="+mn-cs"/>
-                          <a:sym typeface="Wingdings" panose="05000000000000000000" pitchFamily="2" charset="2"/>
-                        </a:rPr>
-                        <a:t>기반 프레임워크</a:t>
-                      </a:r>
-                      <a:r>
-                        <a:rPr lang="en-US" altLang="ko-KR" sz="1200" b="1" kern="1200" dirty="0">
-                          <a:solidFill>
-                            <a:schemeClr val="tx1"/>
-                          </a:solidFill>
-                          <a:latin typeface="+mn-lt"/>
-                          <a:ea typeface="+mn-ea"/>
-                          <a:cs typeface="+mn-cs"/>
-                          <a:sym typeface="Wingdings" panose="05000000000000000000" pitchFamily="2" charset="2"/>
-                        </a:rPr>
-                        <a:t>, .NET </a:t>
-                      </a:r>
-                      <a:r>
-                        <a:rPr lang="ko-KR" altLang="en-US" sz="1200" b="1" kern="1200" dirty="0">
-                          <a:solidFill>
-                            <a:schemeClr val="tx1"/>
-                          </a:solidFill>
-                          <a:latin typeface="+mn-lt"/>
-                          <a:ea typeface="+mn-ea"/>
-                          <a:cs typeface="+mn-cs"/>
-                          <a:sym typeface="Wingdings" panose="05000000000000000000" pitchFamily="2" charset="2"/>
-                        </a:rPr>
-                        <a:t>객체와 </a:t>
-                      </a:r>
-                      <a:r>
-                        <a:rPr lang="en-US" altLang="ko-KR" sz="1200" b="1" kern="1200" dirty="0">
-                          <a:solidFill>
-                            <a:schemeClr val="tx1"/>
-                          </a:solidFill>
-                          <a:latin typeface="+mn-lt"/>
-                          <a:ea typeface="+mn-ea"/>
-                          <a:cs typeface="+mn-cs"/>
-                          <a:sym typeface="Wingdings" panose="05000000000000000000" pitchFamily="2" charset="2"/>
-                        </a:rPr>
-                        <a:t>DB</a:t>
-                      </a:r>
-                      <a:r>
-                        <a:rPr lang="ko-KR" altLang="en-US" sz="1200" b="1" kern="1200" dirty="0">
-                          <a:solidFill>
-                            <a:schemeClr val="tx1"/>
-                          </a:solidFill>
-                          <a:latin typeface="+mn-lt"/>
-                          <a:ea typeface="+mn-ea"/>
-                          <a:cs typeface="+mn-cs"/>
-                          <a:sym typeface="Wingdings" panose="05000000000000000000" pitchFamily="2" charset="2"/>
-                        </a:rPr>
-                        <a:t>를 같이 사용할 수 있도록 함</a:t>
+                        <a:t>     Card Space: Digital ID</a:t>
+                      </a:r>
+                      <a:r>
+                        <a:rPr lang="ko-KR" altLang="en-US" sz="1200" b="1" kern="1200" dirty="0">
+                          <a:solidFill>
+                            <a:schemeClr val="tx1"/>
+                          </a:solidFill>
+                          <a:latin typeface="+mn-lt"/>
+                          <a:ea typeface="+mn-ea"/>
+                          <a:cs typeface="+mn-cs"/>
+                          <a:sym typeface="Wingdings" panose="05000000000000000000" pitchFamily="2" charset="2"/>
+                        </a:rPr>
+                        <a:t>를 제공해 안전하고</a:t>
+                      </a:r>
+                      <a:r>
+                        <a:rPr lang="en-US" altLang="ko-KR" sz="1200" b="1" kern="1200" dirty="0">
+                          <a:solidFill>
+                            <a:schemeClr val="tx1"/>
+                          </a:solidFill>
+                          <a:latin typeface="+mn-lt"/>
+                          <a:ea typeface="+mn-ea"/>
+                          <a:cs typeface="+mn-cs"/>
+                          <a:sym typeface="Wingdings" panose="05000000000000000000" pitchFamily="2" charset="2"/>
+                        </a:rPr>
+                        <a:t>, </a:t>
+                      </a:r>
+                      <a:r>
+                        <a:rPr lang="ko-KR" altLang="en-US" sz="1200" b="1" kern="1200" dirty="0">
+                          <a:solidFill>
+                            <a:schemeClr val="tx1"/>
+                          </a:solidFill>
+                          <a:latin typeface="+mn-lt"/>
+                          <a:ea typeface="+mn-ea"/>
+                          <a:cs typeface="+mn-cs"/>
+                          <a:sym typeface="Wingdings" panose="05000000000000000000" pitchFamily="2" charset="2"/>
+                        </a:rPr>
+                        <a:t>간단하고</a:t>
+                      </a:r>
+                      <a:r>
+                        <a:rPr lang="en-US" altLang="ko-KR" sz="1200" b="1" kern="1200" dirty="0">
+                          <a:solidFill>
+                            <a:schemeClr val="tx1"/>
+                          </a:solidFill>
+                          <a:latin typeface="+mn-lt"/>
+                          <a:ea typeface="+mn-ea"/>
+                          <a:cs typeface="+mn-cs"/>
+                          <a:sym typeface="Wingdings" panose="05000000000000000000" pitchFamily="2" charset="2"/>
+                        </a:rPr>
+                        <a:t>, </a:t>
+                      </a:r>
+                      <a:r>
+                        <a:rPr lang="ko-KR" altLang="en-US" sz="1200" b="1" kern="1200" dirty="0">
+                          <a:solidFill>
+                            <a:schemeClr val="tx1"/>
+                          </a:solidFill>
+                          <a:latin typeface="+mn-lt"/>
+                          <a:ea typeface="+mn-ea"/>
+                          <a:cs typeface="+mn-cs"/>
+                          <a:sym typeface="Wingdings" panose="05000000000000000000" pitchFamily="2" charset="2"/>
+                        </a:rPr>
+                        <a:t>신뢰성 있는 방법으로 온라인 서비스를 제공</a:t>
                       </a:r>
                       <a:endParaRPr lang="en-US" altLang="ko-KR" sz="1200" b="1" kern="1200" dirty="0">
                         <a:solidFill>
@@ -11479,19 +11494,43 @@
                           <a:cs typeface="+mn-cs"/>
                           <a:sym typeface="Wingdings" panose="05000000000000000000" pitchFamily="2" charset="2"/>
                         </a:rPr>
-                        <a:t>     Parallel LINQ: LINQ</a:t>
-                      </a:r>
-                      <a:r>
-                        <a:rPr lang="ko-KR" altLang="en-US" sz="1200" b="1" kern="1200" dirty="0">
-                          <a:solidFill>
-                            <a:schemeClr val="tx1"/>
-                          </a:solidFill>
-                          <a:latin typeface="+mn-lt"/>
-                          <a:ea typeface="+mn-ea"/>
-                          <a:cs typeface="+mn-cs"/>
-                          <a:sym typeface="Wingdings" panose="05000000000000000000" pitchFamily="2" charset="2"/>
-                        </a:rPr>
-                        <a:t>를 위한 동시 쿼리 실행 엔진을 제공</a:t>
+                        <a:t>     LINQ(Language Integrated Query): C#/VB</a:t>
+                      </a:r>
+                      <a:r>
+                        <a:rPr lang="ko-KR" altLang="en-US" sz="1200" b="1" kern="1200" dirty="0">
+                          <a:solidFill>
+                            <a:schemeClr val="tx1"/>
+                          </a:solidFill>
+                          <a:latin typeface="+mn-lt"/>
+                          <a:ea typeface="+mn-ea"/>
+                          <a:cs typeface="+mn-cs"/>
+                          <a:sym typeface="Wingdings" panose="05000000000000000000" pitchFamily="2" charset="2"/>
+                        </a:rPr>
+                        <a:t>로 </a:t>
+                      </a:r>
+                      <a:r>
+                        <a:rPr lang="en-US" altLang="ko-KR" sz="1200" b="1" kern="1200" dirty="0">
+                          <a:solidFill>
+                            <a:schemeClr val="tx1"/>
+                          </a:solidFill>
+                          <a:latin typeface="+mn-lt"/>
+                          <a:ea typeface="+mn-ea"/>
+                          <a:cs typeface="+mn-cs"/>
+                          <a:sym typeface="Wingdings" panose="05000000000000000000" pitchFamily="2" charset="2"/>
+                        </a:rPr>
+                        <a:t>data source</a:t>
+                      </a:r>
+                      <a:r>
+                        <a:rPr lang="ko-KR" altLang="en-US" sz="1200" b="1" kern="1200" dirty="0">
+                          <a:solidFill>
+                            <a:schemeClr val="tx1"/>
+                          </a:solidFill>
+                          <a:latin typeface="+mn-lt"/>
+                          <a:ea typeface="+mn-ea"/>
+                          <a:cs typeface="+mn-cs"/>
+                          <a:sym typeface="Wingdings" panose="05000000000000000000" pitchFamily="2" charset="2"/>
+                        </a:rPr>
+                        <a:t>에 대한 쿼리를 만드는 쿼리 언어 </a:t>
                       </a:r>
                       <a:endParaRPr lang="en-US" altLang="ko-KR" sz="1200" b="1" kern="1200" dirty="0">
                         <a:solidFill>
@@ -11530,67 +11569,67 @@
                           <a:cs typeface="+mn-cs"/>
                           <a:sym typeface="Wingdings" panose="05000000000000000000" pitchFamily="2" charset="2"/>
                         </a:rPr>
-                        <a:t>     TPL(Task Parallel Library): public types</a:t>
-                      </a:r>
-                      <a:r>
-                        <a:rPr lang="ko-KR" altLang="en-US" sz="1200" b="1" kern="1200" dirty="0">
-                          <a:solidFill>
-                            <a:schemeClr val="tx1"/>
-                          </a:solidFill>
-                          <a:latin typeface="+mn-lt"/>
-                          <a:ea typeface="+mn-ea"/>
-                          <a:cs typeface="+mn-cs"/>
-                          <a:sym typeface="Wingdings" panose="05000000000000000000" pitchFamily="2" charset="2"/>
-                        </a:rPr>
-                        <a:t>와 </a:t>
-                      </a:r>
-                      <a:r>
-                        <a:rPr lang="en-US" altLang="ko-KR" sz="1200" b="1" kern="1200" dirty="0">
-                          <a:solidFill>
-                            <a:schemeClr val="tx1"/>
-                          </a:solidFill>
-                          <a:latin typeface="+mn-lt"/>
-                          <a:ea typeface="+mn-ea"/>
-                          <a:cs typeface="+mn-cs"/>
-                          <a:sym typeface="Wingdings" panose="05000000000000000000" pitchFamily="2" charset="2"/>
-                        </a:rPr>
-                        <a:t>API </a:t>
-                      </a:r>
-                      <a:r>
-                        <a:rPr lang="ko-KR" altLang="en-US" sz="1200" b="1" kern="1200" dirty="0">
-                          <a:solidFill>
-                            <a:schemeClr val="tx1"/>
-                          </a:solidFill>
-                          <a:latin typeface="+mn-lt"/>
-                          <a:ea typeface="+mn-ea"/>
-                          <a:cs typeface="+mn-cs"/>
-                          <a:sym typeface="Wingdings" panose="05000000000000000000" pitchFamily="2" charset="2"/>
-                        </a:rPr>
-                        <a:t>집합</a:t>
-                      </a:r>
-                      <a:r>
-                        <a:rPr lang="en-US" altLang="ko-KR" sz="1200" b="1" kern="1200" dirty="0">
-                          <a:solidFill>
-                            <a:schemeClr val="tx1"/>
-                          </a:solidFill>
-                          <a:latin typeface="+mn-lt"/>
-                          <a:ea typeface="+mn-ea"/>
-                          <a:cs typeface="+mn-cs"/>
-                          <a:sym typeface="Wingdings" panose="05000000000000000000" pitchFamily="2" charset="2"/>
-                        </a:rPr>
-                        <a:t>, </a:t>
-                      </a:r>
-                      <a:r>
-                        <a:rPr lang="ko-KR" altLang="en-US" sz="1200" b="1" kern="1200" dirty="0">
-                          <a:solidFill>
-                            <a:schemeClr val="tx1"/>
-                          </a:solidFill>
-                          <a:latin typeface="+mn-lt"/>
-                          <a:ea typeface="+mn-ea"/>
-                          <a:cs typeface="+mn-cs"/>
-                          <a:sym typeface="Wingdings" panose="05000000000000000000" pitchFamily="2" charset="2"/>
-                        </a:rPr>
-                        <a:t>동시성과 병렬성을 추가하는 프로세스 단순화를 통해 생산성 향상</a:t>
+                        <a:t>     Entity Framework: ORM(Object Relational Mapping)</a:t>
+                      </a:r>
+                      <a:r>
+                        <a:rPr lang="ko-KR" altLang="en-US" sz="1200" b="1" kern="1200" dirty="0">
+                          <a:solidFill>
+                            <a:schemeClr val="tx1"/>
+                          </a:solidFill>
+                          <a:latin typeface="+mn-lt"/>
+                          <a:ea typeface="+mn-ea"/>
+                          <a:cs typeface="+mn-cs"/>
+                          <a:sym typeface="Wingdings" panose="05000000000000000000" pitchFamily="2" charset="2"/>
+                        </a:rPr>
+                        <a:t>기반 프레임워크</a:t>
+                      </a:r>
+                      <a:r>
+                        <a:rPr lang="en-US" altLang="ko-KR" sz="1200" b="1" kern="1200" dirty="0">
+                          <a:solidFill>
+                            <a:schemeClr val="tx1"/>
+                          </a:solidFill>
+                          <a:latin typeface="+mn-lt"/>
+                          <a:ea typeface="+mn-ea"/>
+                          <a:cs typeface="+mn-cs"/>
+                          <a:sym typeface="Wingdings" panose="05000000000000000000" pitchFamily="2" charset="2"/>
+                        </a:rPr>
+                        <a:t>, .NET </a:t>
+                      </a:r>
+                      <a:r>
+                        <a:rPr lang="ko-KR" altLang="en-US" sz="1200" b="1" kern="1200" dirty="0">
+                          <a:solidFill>
+                            <a:schemeClr val="tx1"/>
+                          </a:solidFill>
+                          <a:latin typeface="+mn-lt"/>
+                          <a:ea typeface="+mn-ea"/>
+                          <a:cs typeface="+mn-cs"/>
+                          <a:sym typeface="Wingdings" panose="05000000000000000000" pitchFamily="2" charset="2"/>
+                        </a:rPr>
+                        <a:t>객체와 </a:t>
+                      </a:r>
+                      <a:r>
+                        <a:rPr lang="en-US" altLang="ko-KR" sz="1200" b="1" kern="1200" dirty="0">
+                          <a:solidFill>
+                            <a:schemeClr val="tx1"/>
+                          </a:solidFill>
+                          <a:latin typeface="+mn-lt"/>
+                          <a:ea typeface="+mn-ea"/>
+                          <a:cs typeface="+mn-cs"/>
+                          <a:sym typeface="Wingdings" panose="05000000000000000000" pitchFamily="2" charset="2"/>
+                        </a:rPr>
+                        <a:t>DB</a:t>
+                      </a:r>
+                      <a:r>
+                        <a:rPr lang="ko-KR" altLang="en-US" sz="1200" b="1" kern="1200" dirty="0">
+                          <a:solidFill>
+                            <a:schemeClr val="tx1"/>
+                          </a:solidFill>
+                          <a:latin typeface="+mn-lt"/>
+                          <a:ea typeface="+mn-ea"/>
+                          <a:cs typeface="+mn-cs"/>
+                          <a:sym typeface="Wingdings" panose="05000000000000000000" pitchFamily="2" charset="2"/>
+                        </a:rPr>
+                        <a:t>를 같이 사용할 수 있도록 함</a:t>
                       </a:r>
                       <a:endParaRPr lang="en-US" altLang="ko-KR" sz="1200" b="1" kern="1200" dirty="0">
                         <a:solidFill>
@@ -11629,6 +11668,156 @@
                           <a:cs typeface="+mn-cs"/>
                           <a:sym typeface="Wingdings" panose="05000000000000000000" pitchFamily="2" charset="2"/>
                         </a:rPr>
+                        <a:t>     Parallel LINQ: LINQ</a:t>
+                      </a:r>
+                      <a:r>
+                        <a:rPr lang="ko-KR" altLang="en-US" sz="1200" b="1" kern="1200" dirty="0">
+                          <a:solidFill>
+                            <a:schemeClr val="tx1"/>
+                          </a:solidFill>
+                          <a:latin typeface="+mn-lt"/>
+                          <a:ea typeface="+mn-ea"/>
+                          <a:cs typeface="+mn-cs"/>
+                          <a:sym typeface="Wingdings" panose="05000000000000000000" pitchFamily="2" charset="2"/>
+                        </a:rPr>
+                        <a:t>를 위한 동시 쿼리 실행 엔진을 제공</a:t>
+                      </a:r>
+                      <a:endParaRPr lang="en-US" altLang="ko-KR" sz="1200" b="1" kern="1200" dirty="0">
+                        <a:solidFill>
+                          <a:schemeClr val="tx1"/>
+                        </a:solidFill>
+                        <a:latin typeface="+mn-lt"/>
+                        <a:ea typeface="+mn-ea"/>
+                        <a:cs typeface="+mn-cs"/>
+                        <a:sym typeface="Wingdings" panose="05000000000000000000" pitchFamily="2" charset="2"/>
+                      </a:endParaRPr>
+                    </a:p>
+                    <a:p>
+                      <a:pPr marL="0" marR="0" lvl="0" indent="0" algn="l" defTabSz="914400" rtl="0" eaLnBrk="1" fontAlgn="base" latinLnBrk="1" hangingPunct="1">
+                        <a:lnSpc>
+                          <a:spcPct val="100000"/>
+                        </a:lnSpc>
+                        <a:spcBef>
+                          <a:spcPct val="0"/>
+                        </a:spcBef>
+                        <a:spcAft>
+                          <a:spcPct val="0"/>
+                        </a:spcAft>
+                        <a:buClrTx/>
+                        <a:buSzTx/>
+                        <a:buFontTx/>
+                        <a:buNone/>
+                        <a:tabLst/>
+                      </a:pPr>
+                      <a:r>
+                        <a:rPr lang="en-US" altLang="ko-KR" sz="1200" b="1" kern="1200" dirty="0">
+                          <a:solidFill>
+                            <a:schemeClr val="tx1"/>
+                          </a:solidFill>
+                          <a:latin typeface="+mn-lt"/>
+                          <a:ea typeface="+mn-ea"/>
+                          <a:cs typeface="+mn-cs"/>
+                          <a:sym typeface="Wingdings" panose="05000000000000000000" pitchFamily="2" charset="2"/>
+                        </a:rPr>
+                        <a:t>     TPL(Task Parallel Library): public types</a:t>
+                      </a:r>
+                      <a:r>
+                        <a:rPr lang="ko-KR" altLang="en-US" sz="1200" b="1" kern="1200" dirty="0">
+                          <a:solidFill>
+                            <a:schemeClr val="tx1"/>
+                          </a:solidFill>
+                          <a:latin typeface="+mn-lt"/>
+                          <a:ea typeface="+mn-ea"/>
+                          <a:cs typeface="+mn-cs"/>
+                          <a:sym typeface="Wingdings" panose="05000000000000000000" pitchFamily="2" charset="2"/>
+                        </a:rPr>
+                        <a:t>와 </a:t>
+                      </a:r>
+                      <a:r>
+                        <a:rPr lang="en-US" altLang="ko-KR" sz="1200" b="1" kern="1200" dirty="0">
+                          <a:solidFill>
+                            <a:schemeClr val="tx1"/>
+                          </a:solidFill>
+                          <a:latin typeface="+mn-lt"/>
+                          <a:ea typeface="+mn-ea"/>
+                          <a:cs typeface="+mn-cs"/>
+                          <a:sym typeface="Wingdings" panose="05000000000000000000" pitchFamily="2" charset="2"/>
+                        </a:rPr>
+                        <a:t>API </a:t>
+                      </a:r>
+                      <a:r>
+                        <a:rPr lang="ko-KR" altLang="en-US" sz="1200" b="1" kern="1200" dirty="0">
+                          <a:solidFill>
+                            <a:schemeClr val="tx1"/>
+                          </a:solidFill>
+                          <a:latin typeface="+mn-lt"/>
+                          <a:ea typeface="+mn-ea"/>
+                          <a:cs typeface="+mn-cs"/>
+                          <a:sym typeface="Wingdings" panose="05000000000000000000" pitchFamily="2" charset="2"/>
+                        </a:rPr>
+                        <a:t>집합</a:t>
+                      </a:r>
+                      <a:r>
+                        <a:rPr lang="en-US" altLang="ko-KR" sz="1200" b="1" kern="1200" dirty="0">
+                          <a:solidFill>
+                            <a:schemeClr val="tx1"/>
+                          </a:solidFill>
+                          <a:latin typeface="+mn-lt"/>
+                          <a:ea typeface="+mn-ea"/>
+                          <a:cs typeface="+mn-cs"/>
+                          <a:sym typeface="Wingdings" panose="05000000000000000000" pitchFamily="2" charset="2"/>
+                        </a:rPr>
+                        <a:t>, </a:t>
+                      </a:r>
+                      <a:r>
+                        <a:rPr lang="ko-KR" altLang="en-US" sz="1200" b="1" kern="1200" dirty="0">
+                          <a:solidFill>
+                            <a:schemeClr val="tx1"/>
+                          </a:solidFill>
+                          <a:latin typeface="+mn-lt"/>
+                          <a:ea typeface="+mn-ea"/>
+                          <a:cs typeface="+mn-cs"/>
+                          <a:sym typeface="Wingdings" panose="05000000000000000000" pitchFamily="2" charset="2"/>
+                        </a:rPr>
+                        <a:t>동시성과 병렬성을 추가하는 프로세스 단순화를 통해 생산성 향상</a:t>
+                      </a:r>
+                      <a:endParaRPr lang="en-US" altLang="ko-KR" sz="1200" b="1" kern="1200" dirty="0">
+                        <a:solidFill>
+                          <a:schemeClr val="tx1"/>
+                        </a:solidFill>
+                        <a:latin typeface="+mn-lt"/>
+                        <a:ea typeface="+mn-ea"/>
+                        <a:cs typeface="+mn-cs"/>
+                        <a:sym typeface="Wingdings" panose="05000000000000000000" pitchFamily="2" charset="2"/>
+                      </a:endParaRPr>
+                    </a:p>
+                    <a:p>
+                      <a:pPr marL="0" marR="0" lvl="0" indent="0" algn="l" defTabSz="914400" rtl="0" eaLnBrk="1" fontAlgn="base" latinLnBrk="1" hangingPunct="1">
+                        <a:lnSpc>
+                          <a:spcPct val="100000"/>
+                        </a:lnSpc>
+                        <a:spcBef>
+                          <a:spcPct val="0"/>
+                        </a:spcBef>
+                        <a:spcAft>
+                          <a:spcPct val="0"/>
+                        </a:spcAft>
+                        <a:buClrTx/>
+                        <a:buSzTx/>
+                        <a:buFontTx/>
+                        <a:buNone/>
+                        <a:tabLst/>
+                      </a:pPr>
+                      <a:r>
+                        <a:rPr lang="en-US" altLang="ko-KR" sz="1200" b="1" kern="1200" dirty="0">
+                          <a:solidFill>
+                            <a:schemeClr val="tx1"/>
+                          </a:solidFill>
+                          <a:latin typeface="+mn-lt"/>
+                          <a:ea typeface="+mn-ea"/>
+                          <a:cs typeface="+mn-cs"/>
+                          <a:sym typeface="Wingdings" panose="05000000000000000000" pitchFamily="2" charset="2"/>
+                        </a:rPr>
                         <a:t>     .NET API for Store/UWP Apps: C#/VB</a:t>
                       </a:r>
                       <a:r>
@@ -11772,6 +11961,138 @@
                         <a:buChar char="-"/>
                         <a:tabLst/>
                       </a:pPr>
+                      <a:r>
+                        <a:rPr lang="en-US" altLang="ko-KR" sz="1200" b="1" kern="1200" dirty="0">
+                          <a:solidFill>
+                            <a:schemeClr val="tx1"/>
+                          </a:solidFill>
+                          <a:latin typeface="+mn-lt"/>
+                          <a:ea typeface="+mn-ea"/>
+                          <a:cs typeface="+mn-cs"/>
+                          <a:sym typeface="Wingdings" panose="05000000000000000000" pitchFamily="2" charset="2"/>
+                        </a:rPr>
+                        <a:t>Namespaces in FCL</a:t>
+                      </a:r>
+                    </a:p>
+                    <a:p>
+                      <a:pPr marL="0" marR="0" lvl="0" indent="0" algn="l" defTabSz="914400" rtl="0" eaLnBrk="1" fontAlgn="base" latinLnBrk="1" hangingPunct="1">
+                        <a:lnSpc>
+                          <a:spcPct val="100000"/>
+                        </a:lnSpc>
+                        <a:spcBef>
+                          <a:spcPct val="0"/>
+                        </a:spcBef>
+                        <a:spcAft>
+                          <a:spcPct val="0"/>
+                        </a:spcAft>
+                        <a:buClrTx/>
+                        <a:buSzTx/>
+                        <a:buFontTx/>
+                        <a:buNone/>
+                        <a:tabLst/>
+                      </a:pPr>
+                      <a:r>
+                        <a:rPr lang="en-US" altLang="ko-KR" sz="1200" b="1" kern="1200" dirty="0">
+                          <a:solidFill>
+                            <a:schemeClr val="tx1"/>
+                          </a:solidFill>
+                          <a:latin typeface="+mn-lt"/>
+                          <a:ea typeface="+mn-ea"/>
+                          <a:cs typeface="+mn-cs"/>
+                          <a:sym typeface="Wingdings" panose="05000000000000000000" pitchFamily="2" charset="2"/>
+                        </a:rPr>
+                        <a:t>     Accessibility: part of managed wrapper for COM accessibility interface</a:t>
+                      </a:r>
+                    </a:p>
+                    <a:p>
+                      <a:pPr marL="0" marR="0" lvl="0" indent="0" algn="l" defTabSz="914400" rtl="0" eaLnBrk="1" fontAlgn="base" latinLnBrk="1" hangingPunct="1">
+                        <a:lnSpc>
+                          <a:spcPct val="100000"/>
+                        </a:lnSpc>
+                        <a:spcBef>
+                          <a:spcPct val="0"/>
+                        </a:spcBef>
+                        <a:spcAft>
+                          <a:spcPct val="0"/>
+                        </a:spcAft>
+                        <a:buClrTx/>
+                        <a:buSzTx/>
+                        <a:buFontTx/>
+                        <a:buNone/>
+                        <a:tabLst/>
+                      </a:pPr>
+                      <a:r>
+                        <a:rPr lang="en-US" altLang="ko-KR" sz="1200" b="1" kern="1200" dirty="0">
+                          <a:solidFill>
+                            <a:schemeClr val="tx1"/>
+                          </a:solidFill>
+                          <a:latin typeface="+mn-lt"/>
+                          <a:ea typeface="+mn-ea"/>
+                          <a:cs typeface="+mn-cs"/>
+                          <a:sym typeface="Wingdings" panose="05000000000000000000" pitchFamily="2" charset="2"/>
+                        </a:rPr>
+                        <a:t>     </a:t>
+                      </a:r>
+                      <a:r>
+                        <a:rPr lang="en-US" altLang="ko-KR" sz="1200" b="1" kern="1200" dirty="0" err="1">
+                          <a:solidFill>
+                            <a:schemeClr val="tx1"/>
+                          </a:solidFill>
+                          <a:latin typeface="+mn-lt"/>
+                          <a:ea typeface="+mn-ea"/>
+                          <a:cs typeface="+mn-cs"/>
+                          <a:sym typeface="Wingdings" panose="05000000000000000000" pitchFamily="2" charset="2"/>
+                        </a:rPr>
+                        <a:t>Microsoft.CSharp</a:t>
+                      </a:r>
+                      <a:r>
+                        <a:rPr lang="en-US" altLang="ko-KR" sz="1200" b="1" kern="1200" dirty="0">
+                          <a:solidFill>
+                            <a:schemeClr val="tx1"/>
+                          </a:solidFill>
+                          <a:latin typeface="+mn-lt"/>
+                          <a:ea typeface="+mn-ea"/>
+                          <a:cs typeface="+mn-cs"/>
+                          <a:sym typeface="Wingdings" panose="05000000000000000000" pitchFamily="2" charset="2"/>
+                        </a:rPr>
+                        <a:t>: C# </a:t>
+                      </a:r>
+                      <a:r>
+                        <a:rPr lang="ko-KR" altLang="en-US" sz="1200" b="1" kern="1200" dirty="0">
+                          <a:solidFill>
+                            <a:schemeClr val="tx1"/>
+                          </a:solidFill>
+                          <a:latin typeface="+mn-lt"/>
+                          <a:ea typeface="+mn-ea"/>
+                          <a:cs typeface="+mn-cs"/>
+                          <a:sym typeface="Wingdings" panose="05000000000000000000" pitchFamily="2" charset="2"/>
+                        </a:rPr>
+                        <a:t>코드에 대한 컴파일</a:t>
+                      </a:r>
+                      <a:r>
+                        <a:rPr lang="en-US" altLang="ko-KR" sz="1200" b="1" kern="1200" dirty="0">
+                          <a:solidFill>
+                            <a:schemeClr val="tx1"/>
+                          </a:solidFill>
+                          <a:latin typeface="+mn-lt"/>
+                          <a:ea typeface="+mn-ea"/>
+                          <a:cs typeface="+mn-cs"/>
+                          <a:sym typeface="Wingdings" panose="05000000000000000000" pitchFamily="2" charset="2"/>
+                        </a:rPr>
+                        <a:t>, </a:t>
+                      </a:r>
+                      <a:r>
+                        <a:rPr lang="ko-KR" altLang="en-US" sz="1200" b="1" kern="1200" dirty="0">
+                          <a:solidFill>
+                            <a:schemeClr val="tx1"/>
+                          </a:solidFill>
+                          <a:latin typeface="+mn-lt"/>
+                          <a:ea typeface="+mn-ea"/>
+                          <a:cs typeface="+mn-cs"/>
+                          <a:sym typeface="Wingdings" panose="05000000000000000000" pitchFamily="2" charset="2"/>
+                        </a:rPr>
+                        <a:t>코드 생성을 지원</a:t>
+                      </a:r>
                       <a:endParaRPr lang="en-US" altLang="ko-KR" sz="1200" b="1" kern="1200" dirty="0">
                         <a:solidFill>
                           <a:schemeClr val="tx1"/>
@@ -11783,7 +12104,7 @@
                       </a:endParaRPr>
                     </a:p>
                     <a:p>
-                      <a:pPr marL="171450" marR="0" lvl="0" indent="-171450" algn="l" defTabSz="914400" rtl="0" eaLnBrk="1" fontAlgn="base" latinLnBrk="1" hangingPunct="1">
+                      <a:pPr marL="0" marR="0" lvl="0" indent="0" algn="l" defTabSz="914400" rtl="0" eaLnBrk="1" fontAlgn="base" latinLnBrk="1" hangingPunct="1">
                         <a:lnSpc>
                           <a:spcPct val="100000"/>
                         </a:lnSpc>
@@ -11796,9 +12117,165 @@
                         <a:buClrTx/>
                         <a:buSzTx/>
                         <a:buFontTx/>
-                        <a:buChar char="-"/>
+                        <a:buNone/>
                         <a:tabLst/>
                       </a:pPr>
+                      <a:r>
+                        <a:rPr lang="en-US" altLang="ko-KR" sz="1200" b="1" kern="1200" dirty="0">
+                          <a:solidFill>
+                            <a:schemeClr val="tx1"/>
+                          </a:solidFill>
+                          <a:latin typeface="+mn-lt"/>
+                          <a:ea typeface="+mn-ea"/>
+                          <a:cs typeface="+mn-cs"/>
+                          <a:sym typeface="Wingdings" panose="05000000000000000000" pitchFamily="2" charset="2"/>
+                        </a:rPr>
+                        <a:t>     System: </a:t>
+                      </a:r>
+                      <a:r>
+                        <a:rPr lang="ko-KR" altLang="en-US" sz="1200" b="1" kern="1200" dirty="0">
+                          <a:solidFill>
+                            <a:schemeClr val="tx1"/>
+                          </a:solidFill>
+                          <a:latin typeface="+mn-lt"/>
+                          <a:ea typeface="+mn-ea"/>
+                          <a:cs typeface="+mn-cs"/>
+                          <a:sym typeface="Wingdings" panose="05000000000000000000" pitchFamily="2" charset="2"/>
+                        </a:rPr>
+                        <a:t>인터페이스</a:t>
+                      </a:r>
+                      <a:r>
+                        <a:rPr lang="en-US" altLang="ko-KR" sz="1200" b="1" kern="1200" dirty="0">
+                          <a:solidFill>
+                            <a:schemeClr val="tx1"/>
+                          </a:solidFill>
+                          <a:latin typeface="+mn-lt"/>
+                          <a:ea typeface="+mn-ea"/>
+                          <a:cs typeface="+mn-cs"/>
+                          <a:sym typeface="Wingdings" panose="05000000000000000000" pitchFamily="2" charset="2"/>
+                        </a:rPr>
+                        <a:t>, </a:t>
+                      </a:r>
+                      <a:r>
+                        <a:rPr lang="ko-KR" altLang="en-US" sz="1200" b="1" kern="1200" dirty="0">
+                          <a:solidFill>
+                            <a:schemeClr val="tx1"/>
+                          </a:solidFill>
+                          <a:latin typeface="+mn-lt"/>
+                          <a:ea typeface="+mn-ea"/>
+                          <a:cs typeface="+mn-cs"/>
+                          <a:sym typeface="Wingdings" panose="05000000000000000000" pitchFamily="2" charset="2"/>
+                        </a:rPr>
+                        <a:t>데이터 유형</a:t>
+                      </a:r>
+                      <a:r>
+                        <a:rPr lang="en-US" altLang="ko-KR" sz="1200" b="1" kern="1200" dirty="0">
+                          <a:solidFill>
+                            <a:schemeClr val="tx1"/>
+                          </a:solidFill>
+                          <a:latin typeface="+mn-lt"/>
+                          <a:ea typeface="+mn-ea"/>
+                          <a:cs typeface="+mn-cs"/>
+                          <a:sym typeface="Wingdings" panose="05000000000000000000" pitchFamily="2" charset="2"/>
+                        </a:rPr>
+                        <a:t>, </a:t>
+                      </a:r>
+                      <a:r>
+                        <a:rPr lang="ko-KR" altLang="en-US" sz="1200" b="1" kern="1200" dirty="0">
+                          <a:solidFill>
+                            <a:schemeClr val="tx1"/>
+                          </a:solidFill>
+                          <a:latin typeface="+mn-lt"/>
+                          <a:ea typeface="+mn-ea"/>
+                          <a:cs typeface="+mn-cs"/>
+                          <a:sym typeface="Wingdings" panose="05000000000000000000" pitchFamily="2" charset="2"/>
+                        </a:rPr>
+                        <a:t>이벤트</a:t>
+                      </a:r>
+                      <a:r>
+                        <a:rPr lang="en-US" altLang="ko-KR" sz="1200" b="1" kern="1200" dirty="0">
+                          <a:solidFill>
+                            <a:schemeClr val="tx1"/>
+                          </a:solidFill>
+                          <a:latin typeface="+mn-lt"/>
+                          <a:ea typeface="+mn-ea"/>
+                          <a:cs typeface="+mn-cs"/>
+                          <a:sym typeface="Wingdings" panose="05000000000000000000" pitchFamily="2" charset="2"/>
+                        </a:rPr>
+                        <a:t>, </a:t>
+                      </a:r>
+                      <a:r>
+                        <a:rPr lang="ko-KR" altLang="en-US" sz="1200" b="1" kern="1200" dirty="0">
+                          <a:solidFill>
+                            <a:schemeClr val="tx1"/>
+                          </a:solidFill>
+                          <a:latin typeface="+mn-lt"/>
+                          <a:ea typeface="+mn-ea"/>
+                          <a:cs typeface="+mn-cs"/>
+                          <a:sym typeface="Wingdings" panose="05000000000000000000" pitchFamily="2" charset="2"/>
+                        </a:rPr>
+                        <a:t>이벤트 </a:t>
+                      </a:r>
+                      <a:r>
+                        <a:rPr lang="ko-KR" altLang="en-US" sz="1200" b="1" kern="1200" dirty="0" err="1">
+                          <a:solidFill>
+                            <a:schemeClr val="tx1"/>
+                          </a:solidFill>
+                          <a:latin typeface="+mn-lt"/>
+                          <a:ea typeface="+mn-ea"/>
+                          <a:cs typeface="+mn-cs"/>
+                          <a:sym typeface="Wingdings" panose="05000000000000000000" pitchFamily="2" charset="2"/>
+                        </a:rPr>
+                        <a:t>핸들러</a:t>
+                      </a:r>
+                      <a:r>
+                        <a:rPr lang="en-US" altLang="ko-KR" sz="1200" b="1" kern="1200" dirty="0">
+                          <a:solidFill>
+                            <a:schemeClr val="tx1"/>
+                          </a:solidFill>
+                          <a:latin typeface="+mn-lt"/>
+                          <a:ea typeface="+mn-ea"/>
+                          <a:cs typeface="+mn-cs"/>
+                          <a:sym typeface="Wingdings" panose="05000000000000000000" pitchFamily="2" charset="2"/>
+                        </a:rPr>
+                        <a:t>, </a:t>
+                      </a:r>
+                      <a:r>
+                        <a:rPr lang="ko-KR" altLang="en-US" sz="1200" b="1" kern="1200" dirty="0">
+                          <a:solidFill>
+                            <a:schemeClr val="tx1"/>
+                          </a:solidFill>
+                          <a:latin typeface="+mn-lt"/>
+                          <a:ea typeface="+mn-ea"/>
+                          <a:cs typeface="+mn-cs"/>
+                          <a:sym typeface="Wingdings" panose="05000000000000000000" pitchFamily="2" charset="2"/>
+                        </a:rPr>
+                        <a:t>속성</a:t>
+                      </a:r>
+                      <a:r>
+                        <a:rPr lang="en-US" altLang="ko-KR" sz="1200" b="1" kern="1200" dirty="0">
+                          <a:solidFill>
+                            <a:schemeClr val="tx1"/>
+                          </a:solidFill>
+                          <a:latin typeface="+mn-lt"/>
+                          <a:ea typeface="+mn-ea"/>
+                          <a:cs typeface="+mn-cs"/>
+                          <a:sym typeface="Wingdings" panose="05000000000000000000" pitchFamily="2" charset="2"/>
+                        </a:rPr>
+                        <a:t>, </a:t>
+                      </a:r>
+                      <a:r>
+                        <a:rPr lang="ko-KR" altLang="en-US" sz="1200" b="1" kern="1200" dirty="0">
+                          <a:solidFill>
+                            <a:schemeClr val="tx1"/>
+                          </a:solidFill>
+                          <a:latin typeface="+mn-lt"/>
+                          <a:ea typeface="+mn-ea"/>
+                          <a:cs typeface="+mn-cs"/>
+                          <a:sym typeface="Wingdings" panose="05000000000000000000" pitchFamily="2" charset="2"/>
+                        </a:rPr>
+                        <a:t>예외 등 정의를 위한 기본 클래스</a:t>
+                      </a:r>
                       <a:endParaRPr lang="en-US" altLang="ko-KR" sz="1200" b="1" kern="1200" dirty="0">
                         <a:solidFill>
                           <a:schemeClr val="tx1"/>
@@ -11810,7 +12287,7 @@
                       </a:endParaRPr>
                     </a:p>
                     <a:p>
-                      <a:pPr marL="171450" marR="0" lvl="0" indent="-171450" algn="l" defTabSz="914400" rtl="0" eaLnBrk="1" fontAlgn="base" latinLnBrk="1" hangingPunct="1">
+                      <a:pPr marL="0" marR="0" lvl="0" indent="0" algn="l" defTabSz="914400" rtl="0" eaLnBrk="1" fontAlgn="base" latinLnBrk="1" hangingPunct="1">
                         <a:lnSpc>
                           <a:spcPct val="100000"/>
                         </a:lnSpc>
@@ -11823,9 +12300,708 @@
                         <a:buClrTx/>
                         <a:buSzTx/>
                         <a:buFontTx/>
-                        <a:buChar char="-"/>
+                        <a:buNone/>
                         <a:tabLst/>
                       </a:pPr>
+                      <a:r>
+                        <a:rPr lang="en-US" altLang="ko-KR" sz="1200" b="1" kern="1200" dirty="0">
+                          <a:solidFill>
+                            <a:schemeClr val="tx1"/>
+                          </a:solidFill>
+                          <a:latin typeface="+mn-lt"/>
+                          <a:ea typeface="+mn-ea"/>
+                          <a:cs typeface="+mn-cs"/>
+                          <a:sym typeface="Wingdings" panose="05000000000000000000" pitchFamily="2" charset="2"/>
+                        </a:rPr>
+                        <a:t>     </a:t>
+                      </a:r>
+                      <a:r>
+                        <a:rPr lang="en-US" altLang="ko-KR" sz="1200" b="1" kern="1200" dirty="0" err="1">
+                          <a:solidFill>
+                            <a:schemeClr val="tx1"/>
+                          </a:solidFill>
+                          <a:latin typeface="+mn-lt"/>
+                          <a:ea typeface="+mn-ea"/>
+                          <a:cs typeface="+mn-cs"/>
+                          <a:sym typeface="Wingdings" panose="05000000000000000000" pitchFamily="2" charset="2"/>
+                        </a:rPr>
+                        <a:t>System.Collections</a:t>
+                      </a:r>
+                      <a:r>
+                        <a:rPr lang="en-US" altLang="ko-KR" sz="1200" b="1" kern="1200" dirty="0">
+                          <a:solidFill>
+                            <a:schemeClr val="tx1"/>
+                          </a:solidFill>
+                          <a:latin typeface="+mn-lt"/>
+                          <a:ea typeface="+mn-ea"/>
+                          <a:cs typeface="+mn-cs"/>
+                          <a:sym typeface="Wingdings" panose="05000000000000000000" pitchFamily="2" charset="2"/>
+                        </a:rPr>
+                        <a:t>: </a:t>
+                      </a:r>
+                      <a:r>
+                        <a:rPr lang="ko-KR" altLang="en-US" sz="1200" b="1" kern="1200" dirty="0">
+                          <a:solidFill>
+                            <a:schemeClr val="tx1"/>
+                          </a:solidFill>
+                          <a:latin typeface="+mn-lt"/>
+                          <a:ea typeface="+mn-ea"/>
+                          <a:cs typeface="+mn-cs"/>
+                          <a:sym typeface="Wingdings" panose="05000000000000000000" pitchFamily="2" charset="2"/>
+                        </a:rPr>
+                        <a:t>다양한 유형을 사용해 정의된 여러 표준</a:t>
+                      </a:r>
+                      <a:r>
+                        <a:rPr lang="en-US" altLang="ko-KR" sz="1200" b="1" kern="1200" dirty="0">
+                          <a:solidFill>
+                            <a:schemeClr val="tx1"/>
+                          </a:solidFill>
+                          <a:latin typeface="+mn-lt"/>
+                          <a:ea typeface="+mn-ea"/>
+                          <a:cs typeface="+mn-cs"/>
+                          <a:sym typeface="Wingdings" panose="05000000000000000000" pitchFamily="2" charset="2"/>
+                        </a:rPr>
+                        <a:t>, </a:t>
+                      </a:r>
+                      <a:r>
+                        <a:rPr lang="ko-KR" altLang="en-US" sz="1200" b="1" kern="1200" dirty="0">
+                          <a:solidFill>
+                            <a:schemeClr val="tx1"/>
+                          </a:solidFill>
+                          <a:latin typeface="+mn-lt"/>
+                          <a:ea typeface="+mn-ea"/>
+                          <a:cs typeface="+mn-cs"/>
+                          <a:sym typeface="Wingdings" panose="05000000000000000000" pitchFamily="2" charset="2"/>
+                        </a:rPr>
+                        <a:t>특수</a:t>
+                      </a:r>
+                      <a:r>
+                        <a:rPr lang="en-US" altLang="ko-KR" sz="1200" b="1" kern="1200" dirty="0">
+                          <a:solidFill>
+                            <a:schemeClr val="tx1"/>
+                          </a:solidFill>
+                          <a:latin typeface="+mn-lt"/>
+                          <a:ea typeface="+mn-ea"/>
+                          <a:cs typeface="+mn-cs"/>
+                          <a:sym typeface="Wingdings" panose="05000000000000000000" pitchFamily="2" charset="2"/>
+                        </a:rPr>
+                        <a:t>, </a:t>
+                      </a:r>
+                      <a:r>
+                        <a:rPr lang="ko-KR" altLang="en-US" sz="1200" b="1" kern="1200" dirty="0">
+                          <a:solidFill>
+                            <a:schemeClr val="tx1"/>
+                          </a:solidFill>
+                          <a:latin typeface="+mn-lt"/>
+                          <a:ea typeface="+mn-ea"/>
+                          <a:cs typeface="+mn-cs"/>
+                          <a:sym typeface="Wingdings" panose="05000000000000000000" pitchFamily="2" charset="2"/>
+                        </a:rPr>
+                        <a:t>일반 </a:t>
+                      </a:r>
+                      <a:r>
+                        <a:rPr lang="en-US" altLang="ko-KR" sz="1200" b="1" kern="1200" dirty="0">
+                          <a:solidFill>
+                            <a:schemeClr val="tx1"/>
+                          </a:solidFill>
+                          <a:latin typeface="+mn-lt"/>
+                          <a:ea typeface="+mn-ea"/>
+                          <a:cs typeface="+mn-cs"/>
+                          <a:sym typeface="Wingdings" panose="05000000000000000000" pitchFamily="2" charset="2"/>
+                        </a:rPr>
+                        <a:t>collection </a:t>
+                      </a:r>
+                      <a:r>
+                        <a:rPr lang="ko-KR" altLang="en-US" sz="1200" b="1" kern="1200" dirty="0">
+                          <a:solidFill>
+                            <a:schemeClr val="tx1"/>
+                          </a:solidFill>
+                          <a:latin typeface="+mn-lt"/>
+                          <a:ea typeface="+mn-ea"/>
+                          <a:cs typeface="+mn-cs"/>
+                          <a:sym typeface="Wingdings" panose="05000000000000000000" pitchFamily="2" charset="2"/>
+                        </a:rPr>
+                        <a:t>객체가 있음</a:t>
+                      </a:r>
+                      <a:endParaRPr lang="en-US" altLang="ko-KR" sz="1200" b="1" kern="1200" dirty="0">
+                        <a:solidFill>
+                          <a:schemeClr val="tx1"/>
+                        </a:solidFill>
+                        <a:latin typeface="+mn-lt"/>
+                        <a:ea typeface="+mn-ea"/>
+                        <a:cs typeface="+mn-cs"/>
+                        <a:sym typeface="Wingdings" panose="05000000000000000000" pitchFamily="2" charset="2"/>
+                      </a:endParaRPr>
+                    </a:p>
+                    <a:p>
+                      <a:pPr marL="0" marR="0" lvl="0" indent="0" algn="l" defTabSz="914400" rtl="0" eaLnBrk="1" fontAlgn="base" latinLnBrk="1" hangingPunct="1">
+                        <a:lnSpc>
+                          <a:spcPct val="100000"/>
+                        </a:lnSpc>
+                        <a:spcBef>
+                          <a:spcPct val="0"/>
+                        </a:spcBef>
+                        <a:spcAft>
+                          <a:spcPct val="0"/>
+                        </a:spcAft>
+                        <a:buClrTx/>
+                        <a:buSzTx/>
+                        <a:buFontTx/>
+                        <a:buNone/>
+                        <a:tabLst/>
+                      </a:pPr>
+                      <a:r>
+                        <a:rPr lang="en-US" altLang="ko-KR" sz="1200" b="1" kern="1200" dirty="0">
+                          <a:solidFill>
+                            <a:schemeClr val="tx1"/>
+                          </a:solidFill>
+                          <a:latin typeface="+mn-lt"/>
+                          <a:ea typeface="+mn-ea"/>
+                          <a:cs typeface="+mn-cs"/>
+                          <a:sym typeface="Wingdings" panose="05000000000000000000" pitchFamily="2" charset="2"/>
+                        </a:rPr>
+                        <a:t>     </a:t>
+                      </a:r>
+                      <a:r>
+                        <a:rPr lang="en-US" altLang="ko-KR" sz="1200" b="1" kern="1200" dirty="0" err="1">
+                          <a:solidFill>
+                            <a:schemeClr val="tx1"/>
+                          </a:solidFill>
+                          <a:latin typeface="+mn-lt"/>
+                          <a:ea typeface="+mn-ea"/>
+                          <a:cs typeface="+mn-cs"/>
+                          <a:sym typeface="Wingdings" panose="05000000000000000000" pitchFamily="2" charset="2"/>
+                        </a:rPr>
+                        <a:t>System.Data</a:t>
+                      </a:r>
+                      <a:r>
+                        <a:rPr lang="en-US" altLang="ko-KR" sz="1200" b="1" kern="1200" dirty="0">
+                          <a:solidFill>
+                            <a:schemeClr val="tx1"/>
+                          </a:solidFill>
+                          <a:latin typeface="+mn-lt"/>
+                          <a:ea typeface="+mn-ea"/>
+                          <a:cs typeface="+mn-cs"/>
+                          <a:sym typeface="Wingdings" panose="05000000000000000000" pitchFamily="2" charset="2"/>
+                        </a:rPr>
+                        <a:t>: </a:t>
+                      </a:r>
+                      <a:r>
+                        <a:rPr lang="ko-KR" altLang="en-US" sz="1200" b="1" kern="1200" dirty="0">
+                          <a:solidFill>
+                            <a:schemeClr val="tx1"/>
+                          </a:solidFill>
+                          <a:latin typeface="+mn-lt"/>
+                          <a:ea typeface="+mn-ea"/>
+                          <a:cs typeface="+mn-cs"/>
+                          <a:sym typeface="Wingdings" panose="05000000000000000000" pitchFamily="2" charset="2"/>
+                        </a:rPr>
+                        <a:t>다른 클래스를 사용해 다양한 소스의 데이터 접근</a:t>
+                      </a:r>
+                      <a:r>
+                        <a:rPr lang="en-US" altLang="ko-KR" sz="1200" b="1" kern="1200" dirty="0">
+                          <a:solidFill>
+                            <a:schemeClr val="tx1"/>
+                          </a:solidFill>
+                          <a:latin typeface="+mn-lt"/>
+                          <a:ea typeface="+mn-ea"/>
+                          <a:cs typeface="+mn-cs"/>
+                          <a:sym typeface="Wingdings" panose="05000000000000000000" pitchFamily="2" charset="2"/>
+                        </a:rPr>
+                        <a:t>,</a:t>
+                      </a:r>
+                      <a:r>
+                        <a:rPr lang="ko-KR" altLang="en-US" sz="1200" b="1" kern="1200" dirty="0">
+                          <a:solidFill>
+                            <a:schemeClr val="tx1"/>
+                          </a:solidFill>
+                          <a:latin typeface="+mn-lt"/>
+                          <a:ea typeface="+mn-ea"/>
+                          <a:cs typeface="+mn-cs"/>
+                          <a:sym typeface="Wingdings" panose="05000000000000000000" pitchFamily="2" charset="2"/>
+                        </a:rPr>
+                        <a:t> 관리</a:t>
+                      </a:r>
+                      <a:endParaRPr lang="en-US" altLang="ko-KR" sz="1200" b="1" kern="1200" dirty="0">
+                        <a:solidFill>
+                          <a:schemeClr val="tx1"/>
+                        </a:solidFill>
+                        <a:latin typeface="+mn-lt"/>
+                        <a:ea typeface="+mn-ea"/>
+                        <a:cs typeface="+mn-cs"/>
+                        <a:sym typeface="Wingdings" panose="05000000000000000000" pitchFamily="2" charset="2"/>
+                      </a:endParaRPr>
+                    </a:p>
+                    <a:p>
+                      <a:pPr marL="0" marR="0" lvl="0" indent="0" algn="l" defTabSz="914400" rtl="0" eaLnBrk="1" fontAlgn="base" latinLnBrk="1" hangingPunct="1">
+                        <a:lnSpc>
+                          <a:spcPct val="100000"/>
+                        </a:lnSpc>
+                        <a:spcBef>
+                          <a:spcPct val="0"/>
+                        </a:spcBef>
+                        <a:spcAft>
+                          <a:spcPct val="0"/>
+                        </a:spcAft>
+                        <a:buClrTx/>
+                        <a:buSzTx/>
+                        <a:buFontTx/>
+                        <a:buNone/>
+                        <a:tabLst/>
+                      </a:pPr>
+                      <a:r>
+                        <a:rPr lang="en-US" altLang="ko-KR" sz="1200" b="1" kern="1200" dirty="0">
+                          <a:solidFill>
+                            <a:schemeClr val="tx1"/>
+                          </a:solidFill>
+                          <a:latin typeface="+mn-lt"/>
+                          <a:ea typeface="+mn-ea"/>
+                          <a:cs typeface="+mn-cs"/>
+                          <a:sym typeface="Wingdings" panose="05000000000000000000" pitchFamily="2" charset="2"/>
+                        </a:rPr>
+                        <a:t>     System.IO: </a:t>
+                      </a:r>
+                      <a:r>
+                        <a:rPr lang="ko-KR" altLang="en-US" sz="1200" b="1" kern="1200" dirty="0">
+                          <a:solidFill>
+                            <a:schemeClr val="tx1"/>
+                          </a:solidFill>
+                          <a:latin typeface="+mn-lt"/>
+                          <a:ea typeface="+mn-ea"/>
+                          <a:cs typeface="+mn-cs"/>
+                          <a:sym typeface="Wingdings" panose="05000000000000000000" pitchFamily="2" charset="2"/>
+                        </a:rPr>
+                        <a:t>다양한 유형을 사용해 </a:t>
+                      </a:r>
+                      <a:r>
+                        <a:rPr lang="en-US" altLang="ko-KR" sz="1200" b="1" kern="1200" dirty="0">
+                          <a:solidFill>
+                            <a:schemeClr val="tx1"/>
+                          </a:solidFill>
+                          <a:latin typeface="+mn-lt"/>
+                          <a:ea typeface="+mn-ea"/>
+                          <a:cs typeface="+mn-cs"/>
+                          <a:sym typeface="Wingdings" panose="05000000000000000000" pitchFamily="2" charset="2"/>
+                        </a:rPr>
+                        <a:t>stream, </a:t>
+                      </a:r>
+                      <a:r>
+                        <a:rPr lang="ko-KR" altLang="en-US" sz="1200" b="1" kern="1200" dirty="0">
+                          <a:solidFill>
+                            <a:schemeClr val="tx1"/>
+                          </a:solidFill>
+                          <a:latin typeface="+mn-lt"/>
+                          <a:ea typeface="+mn-ea"/>
+                          <a:cs typeface="+mn-cs"/>
+                          <a:sym typeface="Wingdings" panose="05000000000000000000" pitchFamily="2" charset="2"/>
+                        </a:rPr>
+                        <a:t>데이터 압축</a:t>
+                      </a:r>
+                      <a:r>
+                        <a:rPr lang="en-US" altLang="ko-KR" sz="1200" b="1" kern="1200" dirty="0">
+                          <a:solidFill>
+                            <a:schemeClr val="tx1"/>
+                          </a:solidFill>
+                          <a:latin typeface="+mn-lt"/>
+                          <a:ea typeface="+mn-ea"/>
+                          <a:cs typeface="+mn-cs"/>
+                          <a:sym typeface="Wingdings" panose="05000000000000000000" pitchFamily="2" charset="2"/>
+                        </a:rPr>
+                        <a:t>, named pipe</a:t>
+                      </a:r>
+                      <a:r>
+                        <a:rPr lang="ko-KR" altLang="en-US" sz="1200" b="1" kern="1200" dirty="0">
+                          <a:solidFill>
+                            <a:schemeClr val="tx1"/>
+                          </a:solidFill>
+                          <a:latin typeface="+mn-lt"/>
+                          <a:ea typeface="+mn-ea"/>
+                          <a:cs typeface="+mn-cs"/>
+                          <a:sym typeface="Wingdings" panose="05000000000000000000" pitchFamily="2" charset="2"/>
+                        </a:rPr>
+                        <a:t>에서 데이터 읽기</a:t>
+                      </a:r>
+                      <a:r>
+                        <a:rPr lang="en-US" altLang="ko-KR" sz="1200" b="1" kern="1200" dirty="0">
+                          <a:solidFill>
+                            <a:schemeClr val="tx1"/>
+                          </a:solidFill>
+                          <a:latin typeface="+mn-lt"/>
+                          <a:ea typeface="+mn-ea"/>
+                          <a:cs typeface="+mn-cs"/>
+                          <a:sym typeface="Wingdings" panose="05000000000000000000" pitchFamily="2" charset="2"/>
+                        </a:rPr>
+                        <a:t>/</a:t>
+                      </a:r>
+                      <a:r>
+                        <a:rPr lang="ko-KR" altLang="en-US" sz="1200" b="1" kern="1200" dirty="0">
+                          <a:solidFill>
+                            <a:schemeClr val="tx1"/>
+                          </a:solidFill>
+                          <a:latin typeface="+mn-lt"/>
+                          <a:ea typeface="+mn-ea"/>
+                          <a:cs typeface="+mn-cs"/>
+                          <a:sym typeface="Wingdings" panose="05000000000000000000" pitchFamily="2" charset="2"/>
+                        </a:rPr>
+                        <a:t>쓰기를 지원</a:t>
+                      </a:r>
+                      <a:endParaRPr lang="en-US" altLang="ko-KR" sz="1200" b="1" kern="1200" dirty="0">
+                        <a:solidFill>
+                          <a:schemeClr val="tx1"/>
+                        </a:solidFill>
+                        <a:latin typeface="+mn-lt"/>
+                        <a:ea typeface="+mn-ea"/>
+                        <a:cs typeface="+mn-cs"/>
+                        <a:sym typeface="Wingdings" panose="05000000000000000000" pitchFamily="2" charset="2"/>
+                      </a:endParaRPr>
+                    </a:p>
+                    <a:p>
+                      <a:pPr marL="0" marR="0" lvl="0" indent="0" algn="l" defTabSz="914400" rtl="0" eaLnBrk="1" fontAlgn="base" latinLnBrk="1" hangingPunct="1">
+                        <a:lnSpc>
+                          <a:spcPct val="100000"/>
+                        </a:lnSpc>
+                        <a:spcBef>
+                          <a:spcPct val="0"/>
+                        </a:spcBef>
+                        <a:spcAft>
+                          <a:spcPct val="0"/>
+                        </a:spcAft>
+                        <a:buClrTx/>
+                        <a:buSzTx/>
+                        <a:buFontTx/>
+                        <a:buNone/>
+                        <a:tabLst/>
+                      </a:pPr>
+                      <a:r>
+                        <a:rPr lang="en-US" altLang="ko-KR" sz="1200" b="1" kern="1200" dirty="0">
+                          <a:solidFill>
+                            <a:schemeClr val="tx1"/>
+                          </a:solidFill>
+                          <a:latin typeface="+mn-lt"/>
+                          <a:ea typeface="+mn-ea"/>
+                          <a:cs typeface="+mn-cs"/>
+                          <a:sym typeface="Wingdings" panose="05000000000000000000" pitchFamily="2" charset="2"/>
+                        </a:rPr>
+                        <a:t>     </a:t>
+                      </a:r>
+                      <a:r>
+                        <a:rPr lang="en-US" altLang="ko-KR" sz="1200" b="1" kern="1200" dirty="0" err="1">
+                          <a:solidFill>
+                            <a:schemeClr val="tx1"/>
+                          </a:solidFill>
+                          <a:latin typeface="+mn-lt"/>
+                          <a:ea typeface="+mn-ea"/>
+                          <a:cs typeface="+mn-cs"/>
+                          <a:sym typeface="Wingdings" panose="05000000000000000000" pitchFamily="2" charset="2"/>
+                        </a:rPr>
+                        <a:t>System.Net</a:t>
+                      </a:r>
+                      <a:r>
+                        <a:rPr lang="en-US" altLang="ko-KR" sz="1200" b="1" kern="1200" dirty="0">
+                          <a:solidFill>
+                            <a:schemeClr val="tx1"/>
+                          </a:solidFill>
+                          <a:latin typeface="+mn-lt"/>
+                          <a:ea typeface="+mn-ea"/>
+                          <a:cs typeface="+mn-cs"/>
+                          <a:sym typeface="Wingdings" panose="05000000000000000000" pitchFamily="2" charset="2"/>
+                        </a:rPr>
+                        <a:t>: </a:t>
+                      </a:r>
+                      <a:r>
+                        <a:rPr lang="ko-KR" altLang="en-US" sz="1200" b="1" kern="1200" dirty="0">
+                          <a:solidFill>
+                            <a:schemeClr val="tx1"/>
+                          </a:solidFill>
+                          <a:latin typeface="+mn-lt"/>
+                          <a:ea typeface="+mn-ea"/>
+                          <a:cs typeface="+mn-cs"/>
+                          <a:sym typeface="Wingdings" panose="05000000000000000000" pitchFamily="2" charset="2"/>
+                        </a:rPr>
+                        <a:t>네트워크 프로토콜</a:t>
+                      </a:r>
+                      <a:r>
+                        <a:rPr lang="en-US" altLang="ko-KR" sz="1200" b="1" kern="1200" dirty="0">
+                          <a:solidFill>
+                            <a:schemeClr val="tx1"/>
+                          </a:solidFill>
+                          <a:latin typeface="+mn-lt"/>
+                          <a:ea typeface="+mn-ea"/>
+                          <a:cs typeface="+mn-cs"/>
+                          <a:sym typeface="Wingdings" panose="05000000000000000000" pitchFamily="2" charset="2"/>
+                        </a:rPr>
+                        <a:t>, </a:t>
+                      </a:r>
+                      <a:r>
+                        <a:rPr lang="ko-KR" altLang="en-US" sz="1200" b="1" kern="1200" dirty="0">
+                          <a:solidFill>
+                            <a:schemeClr val="tx1"/>
+                          </a:solidFill>
+                          <a:latin typeface="+mn-lt"/>
+                          <a:ea typeface="+mn-ea"/>
+                          <a:cs typeface="+mn-cs"/>
+                          <a:sym typeface="Wingdings" panose="05000000000000000000" pitchFamily="2" charset="2"/>
+                        </a:rPr>
+                        <a:t>캐시 정책을 위한 인터페이스를 제공</a:t>
+                      </a:r>
+                      <a:endParaRPr lang="en-US" altLang="ko-KR" sz="1200" b="1" kern="1200" dirty="0">
+                        <a:solidFill>
+                          <a:schemeClr val="tx1"/>
+                        </a:solidFill>
+                        <a:latin typeface="+mn-lt"/>
+                        <a:ea typeface="+mn-ea"/>
+                        <a:cs typeface="+mn-cs"/>
+                        <a:sym typeface="Wingdings" panose="05000000000000000000" pitchFamily="2" charset="2"/>
+                      </a:endParaRPr>
+                    </a:p>
+                    <a:p>
+                      <a:pPr marL="0" marR="0" lvl="0" indent="0" algn="l" defTabSz="914400" rtl="0" eaLnBrk="1" fontAlgn="base" latinLnBrk="1" hangingPunct="1">
+                        <a:lnSpc>
+                          <a:spcPct val="100000"/>
+                        </a:lnSpc>
+                        <a:spcBef>
+                          <a:spcPct val="0"/>
+                        </a:spcBef>
+                        <a:spcAft>
+                          <a:spcPct val="0"/>
+                        </a:spcAft>
+                        <a:buClrTx/>
+                        <a:buSzTx/>
+                        <a:buFontTx/>
+                        <a:buNone/>
+                        <a:tabLst/>
+                      </a:pPr>
+                      <a:r>
+                        <a:rPr lang="en-US" altLang="ko-KR" sz="1200" b="1" kern="1200" dirty="0">
+                          <a:solidFill>
+                            <a:schemeClr val="tx1"/>
+                          </a:solidFill>
+                          <a:latin typeface="+mn-lt"/>
+                          <a:ea typeface="+mn-ea"/>
+                          <a:cs typeface="+mn-cs"/>
+                          <a:sym typeface="Wingdings" panose="05000000000000000000" pitchFamily="2" charset="2"/>
+                        </a:rPr>
+                        <a:t>     </a:t>
+                      </a:r>
+                      <a:r>
+                        <a:rPr lang="en-US" altLang="ko-KR" sz="1200" b="1" kern="1200" dirty="0" err="1">
+                          <a:solidFill>
+                            <a:schemeClr val="tx1"/>
+                          </a:solidFill>
+                          <a:latin typeface="+mn-lt"/>
+                          <a:ea typeface="+mn-ea"/>
+                          <a:cs typeface="+mn-cs"/>
+                          <a:sym typeface="Wingdings" panose="05000000000000000000" pitchFamily="2" charset="2"/>
+                        </a:rPr>
+                        <a:t>System.Security</a:t>
+                      </a:r>
+                      <a:r>
+                        <a:rPr lang="en-US" altLang="ko-KR" sz="1200" b="1" kern="1200" dirty="0">
+                          <a:solidFill>
+                            <a:schemeClr val="tx1"/>
+                          </a:solidFill>
+                          <a:latin typeface="+mn-lt"/>
+                          <a:ea typeface="+mn-ea"/>
+                          <a:cs typeface="+mn-cs"/>
+                          <a:sym typeface="Wingdings" panose="05000000000000000000" pitchFamily="2" charset="2"/>
+                        </a:rPr>
+                        <a:t>: .NET </a:t>
+                      </a:r>
+                      <a:r>
+                        <a:rPr lang="ko-KR" altLang="en-US" sz="1200" b="1" kern="1200" dirty="0">
+                          <a:solidFill>
+                            <a:schemeClr val="tx1"/>
+                          </a:solidFill>
+                          <a:latin typeface="+mn-lt"/>
+                          <a:ea typeface="+mn-ea"/>
+                          <a:cs typeface="+mn-cs"/>
+                          <a:sym typeface="Wingdings" panose="05000000000000000000" pitchFamily="2" charset="2"/>
+                        </a:rPr>
+                        <a:t>보안 시스템</a:t>
+                      </a:r>
+                      <a:r>
+                        <a:rPr lang="en-US" altLang="ko-KR" sz="1200" b="1" kern="1200" dirty="0">
+                          <a:solidFill>
+                            <a:schemeClr val="tx1"/>
+                          </a:solidFill>
+                          <a:latin typeface="+mn-lt"/>
+                          <a:ea typeface="+mn-ea"/>
+                          <a:cs typeface="+mn-cs"/>
+                          <a:sym typeface="Wingdings" panose="05000000000000000000" pitchFamily="2" charset="2"/>
+                        </a:rPr>
+                        <a:t>, </a:t>
+                      </a:r>
+                      <a:r>
+                        <a:rPr lang="ko-KR" altLang="en-US" sz="1200" b="1" kern="1200" dirty="0">
+                          <a:solidFill>
+                            <a:schemeClr val="tx1"/>
+                          </a:solidFill>
+                          <a:latin typeface="+mn-lt"/>
+                          <a:ea typeface="+mn-ea"/>
+                          <a:cs typeface="+mn-cs"/>
+                          <a:sym typeface="Wingdings" panose="05000000000000000000" pitchFamily="2" charset="2"/>
+                        </a:rPr>
+                        <a:t>접근권한을 가짐</a:t>
+                      </a:r>
+                      <a:r>
+                        <a:rPr lang="en-US" altLang="ko-KR" sz="1200" b="1" kern="1200" dirty="0">
+                          <a:solidFill>
+                            <a:schemeClr val="tx1"/>
+                          </a:solidFill>
+                          <a:latin typeface="+mn-lt"/>
+                          <a:ea typeface="+mn-ea"/>
+                          <a:cs typeface="+mn-cs"/>
+                          <a:sym typeface="Wingdings" panose="05000000000000000000" pitchFamily="2" charset="2"/>
+                        </a:rPr>
+                        <a:t>, </a:t>
+                      </a:r>
+                      <a:r>
+                        <a:rPr lang="ko-KR" altLang="en-US" sz="1200" b="1" kern="1200" dirty="0">
+                          <a:solidFill>
+                            <a:schemeClr val="tx1"/>
+                          </a:solidFill>
+                          <a:latin typeface="+mn-lt"/>
+                          <a:ea typeface="+mn-ea"/>
+                          <a:cs typeface="+mn-cs"/>
+                          <a:sym typeface="Wingdings" panose="05000000000000000000" pitchFamily="2" charset="2"/>
+                        </a:rPr>
+                        <a:t>자식 </a:t>
+                      </a:r>
+                      <a:r>
+                        <a:rPr lang="en-US" altLang="ko-KR" sz="1200" b="1" kern="1200" dirty="0">
+                          <a:solidFill>
+                            <a:schemeClr val="tx1"/>
+                          </a:solidFill>
+                          <a:latin typeface="+mn-lt"/>
+                          <a:ea typeface="+mn-ea"/>
+                          <a:cs typeface="+mn-cs"/>
+                          <a:sym typeface="Wingdings" panose="05000000000000000000" pitchFamily="2" charset="2"/>
+                        </a:rPr>
+                        <a:t>namespace</a:t>
+                      </a:r>
+                      <a:r>
+                        <a:rPr lang="ko-KR" altLang="en-US" sz="1200" b="1" kern="1200" dirty="0">
+                          <a:solidFill>
+                            <a:schemeClr val="tx1"/>
+                          </a:solidFill>
+                          <a:latin typeface="+mn-lt"/>
+                          <a:ea typeface="+mn-ea"/>
+                          <a:cs typeface="+mn-cs"/>
+                          <a:sym typeface="Wingdings" panose="05000000000000000000" pitchFamily="2" charset="2"/>
+                        </a:rPr>
+                        <a:t>는 인증</a:t>
+                      </a:r>
+                      <a:r>
+                        <a:rPr lang="en-US" altLang="ko-KR" sz="1200" b="1" kern="1200" dirty="0">
+                          <a:solidFill>
+                            <a:schemeClr val="tx1"/>
+                          </a:solidFill>
+                          <a:latin typeface="+mn-lt"/>
+                          <a:ea typeface="+mn-ea"/>
+                          <a:cs typeface="+mn-cs"/>
+                          <a:sym typeface="Wingdings" panose="05000000000000000000" pitchFamily="2" charset="2"/>
+                        </a:rPr>
+                        <a:t>, </a:t>
+                      </a:r>
+                      <a:r>
+                        <a:rPr lang="ko-KR" altLang="en-US" sz="1200" b="1" kern="1200" dirty="0">
+                          <a:solidFill>
+                            <a:schemeClr val="tx1"/>
+                          </a:solidFill>
+                          <a:latin typeface="+mn-lt"/>
+                          <a:ea typeface="+mn-ea"/>
+                          <a:cs typeface="+mn-cs"/>
+                          <a:sym typeface="Wingdings" panose="05000000000000000000" pitchFamily="2" charset="2"/>
+                        </a:rPr>
+                        <a:t>암호화 서비스 제공</a:t>
+                      </a:r>
+                      <a:endParaRPr lang="en-US" altLang="ko-KR" sz="1200" b="1" kern="1200" dirty="0">
+                        <a:solidFill>
+                          <a:schemeClr val="tx1"/>
+                        </a:solidFill>
+                        <a:latin typeface="+mn-lt"/>
+                        <a:ea typeface="+mn-ea"/>
+                        <a:cs typeface="+mn-cs"/>
+                        <a:sym typeface="Wingdings" panose="05000000000000000000" pitchFamily="2" charset="2"/>
+                      </a:endParaRPr>
+                    </a:p>
+                    <a:p>
+                      <a:pPr marL="0" marR="0" lvl="0" indent="0" algn="l" defTabSz="914400" rtl="0" eaLnBrk="1" fontAlgn="base" latinLnBrk="1" hangingPunct="1">
+                        <a:lnSpc>
+                          <a:spcPct val="100000"/>
+                        </a:lnSpc>
+                        <a:spcBef>
+                          <a:spcPct val="0"/>
+                        </a:spcBef>
+                        <a:spcAft>
+                          <a:spcPct val="0"/>
+                        </a:spcAft>
+                        <a:buClrTx/>
+                        <a:buSzTx/>
+                        <a:buFontTx/>
+                        <a:buNone/>
+                        <a:tabLst/>
+                      </a:pPr>
+                      <a:r>
+                        <a:rPr lang="en-US" altLang="ko-KR" sz="1200" b="1" kern="1200" dirty="0">
+                          <a:solidFill>
+                            <a:schemeClr val="tx1"/>
+                          </a:solidFill>
+                          <a:latin typeface="+mn-lt"/>
+                          <a:ea typeface="+mn-ea"/>
+                          <a:cs typeface="+mn-cs"/>
+                          <a:sym typeface="Wingdings" panose="05000000000000000000" pitchFamily="2" charset="2"/>
+                        </a:rPr>
+                        <a:t>     </a:t>
+                      </a:r>
+                      <a:r>
+                        <a:rPr lang="en-US" altLang="ko-KR" sz="1200" b="1" kern="1200" dirty="0" err="1">
+                          <a:solidFill>
+                            <a:schemeClr val="tx1"/>
+                          </a:solidFill>
+                          <a:latin typeface="+mn-lt"/>
+                          <a:ea typeface="+mn-ea"/>
+                          <a:cs typeface="+mn-cs"/>
+                          <a:sym typeface="Wingdings" panose="05000000000000000000" pitchFamily="2" charset="2"/>
+                        </a:rPr>
+                        <a:t>System.Threading</a:t>
+                      </a:r>
+                      <a:r>
+                        <a:rPr lang="en-US" altLang="ko-KR" sz="1200" b="1" kern="1200" dirty="0">
+                          <a:solidFill>
+                            <a:schemeClr val="tx1"/>
+                          </a:solidFill>
+                          <a:latin typeface="+mn-lt"/>
+                          <a:ea typeface="+mn-ea"/>
+                          <a:cs typeface="+mn-cs"/>
+                          <a:sym typeface="Wingdings" panose="05000000000000000000" pitchFamily="2" charset="2"/>
+                        </a:rPr>
+                        <a:t>: </a:t>
+                      </a:r>
+                      <a:r>
+                        <a:rPr lang="ko-KR" altLang="en-US" sz="1200" b="1" kern="1200" dirty="0" err="1">
+                          <a:solidFill>
+                            <a:schemeClr val="tx1"/>
+                          </a:solidFill>
+                          <a:latin typeface="+mn-lt"/>
+                          <a:ea typeface="+mn-ea"/>
+                          <a:cs typeface="+mn-cs"/>
+                          <a:sym typeface="Wingdings" panose="05000000000000000000" pitchFamily="2" charset="2"/>
+                        </a:rPr>
+                        <a:t>멀티쓰레딩</a:t>
+                      </a:r>
+                      <a:r>
+                        <a:rPr lang="ko-KR" altLang="en-US" sz="1200" b="1" kern="1200" dirty="0">
+                          <a:solidFill>
+                            <a:schemeClr val="tx1"/>
+                          </a:solidFill>
+                          <a:latin typeface="+mn-lt"/>
+                          <a:ea typeface="+mn-ea"/>
+                          <a:cs typeface="+mn-cs"/>
+                          <a:sym typeface="Wingdings" panose="05000000000000000000" pitchFamily="2" charset="2"/>
+                        </a:rPr>
+                        <a:t> 프로그래밍 지원</a:t>
+                      </a:r>
                       <a:endParaRPr lang="en-US" altLang="ko-KR" sz="1200" b="1" kern="1200" dirty="0">
                         <a:solidFill>
                           <a:schemeClr val="tx1"/>
